--- a/AccidentDetection_Using_CNN.pptx
+++ b/AccidentDetection_Using_CNN.pptx
@@ -22,8 +22,10 @@
     <p:sldId id="308" r:id="rId16"/>
     <p:sldId id="309" r:id="rId17"/>
     <p:sldId id="310" r:id="rId18"/>
-    <p:sldId id="311" r:id="rId19"/>
-    <p:sldId id="284" r:id="rId20"/>
+    <p:sldId id="312" r:id="rId19"/>
+    <p:sldId id="313" r:id="rId20"/>
+    <p:sldId id="311" r:id="rId21"/>
+    <p:sldId id="284" r:id="rId22"/>
   </p:sldIdLst>
   <p:sldSz cx="9144000" cy="6858000" type="screen4x3"/>
   <p:notesSz cx="6858000" cy="9144000"/>
@@ -276,7 +278,7 @@
           <a:p>
             <a:fld id="{E8EB4242-4669-4089-B1D3-7BBD76CE1D3D}" type="datetimeFigureOut">
               <a:rPr lang="en-US" smtClean="0"/>
-              <a:t>4/17/2024</a:t>
+              <a:t>4/25/2024</a:t>
             </a:fld>
             <a:endParaRPr lang="en-US"/>
           </a:p>
@@ -1144,7 +1146,7 @@
           <a:p>
             <a:fld id="{E8EB4242-4669-4089-B1D3-7BBD76CE1D3D}" type="datetimeFigureOut">
               <a:rPr lang="en-US" smtClean="0"/>
-              <a:t>4/17/2024</a:t>
+              <a:t>4/25/2024</a:t>
             </a:fld>
             <a:endParaRPr lang="en-US"/>
           </a:p>
@@ -1318,7 +1320,7 @@
           <a:p>
             <a:fld id="{E8EB4242-4669-4089-B1D3-7BBD76CE1D3D}" type="datetimeFigureOut">
               <a:rPr lang="en-US" smtClean="0"/>
-              <a:t>4/17/2024</a:t>
+              <a:t>4/25/2024</a:t>
             </a:fld>
             <a:endParaRPr lang="en-US"/>
           </a:p>
@@ -1487,7 +1489,7 @@
           <a:p>
             <a:fld id="{E8EB4242-4669-4089-B1D3-7BBD76CE1D3D}" type="datetimeFigureOut">
               <a:rPr lang="en-US" smtClean="0"/>
-              <a:t>4/17/2024</a:t>
+              <a:t>4/25/2024</a:t>
             </a:fld>
             <a:endParaRPr lang="en-US"/>
           </a:p>
@@ -1696,7 +1698,7 @@
           <a:p>
             <a:fld id="{E8EB4242-4669-4089-B1D3-7BBD76CE1D3D}" type="datetimeFigureOut">
               <a:rPr lang="en-US" smtClean="0"/>
-              <a:t>4/17/2024</a:t>
+              <a:t>4/25/2024</a:t>
             </a:fld>
             <a:endParaRPr lang="en-US"/>
           </a:p>
@@ -2509,7 +2511,7 @@
           <a:p>
             <a:fld id="{E8EB4242-4669-4089-B1D3-7BBD76CE1D3D}" type="datetimeFigureOut">
               <a:rPr lang="en-US" smtClean="0"/>
-              <a:t>4/17/2024</a:t>
+              <a:t>4/25/2024</a:t>
             </a:fld>
             <a:endParaRPr lang="en-US"/>
           </a:p>
@@ -2744,7 +2746,7 @@
           <a:p>
             <a:fld id="{E8EB4242-4669-4089-B1D3-7BBD76CE1D3D}" type="datetimeFigureOut">
               <a:rPr lang="en-US" smtClean="0"/>
-              <a:t>4/17/2024</a:t>
+              <a:t>4/25/2024</a:t>
             </a:fld>
             <a:endParaRPr lang="en-US"/>
           </a:p>
@@ -3066,7 +3068,7 @@
           <a:p>
             <a:fld id="{E8EB4242-4669-4089-B1D3-7BBD76CE1D3D}" type="datetimeFigureOut">
               <a:rPr lang="en-US" smtClean="0"/>
-              <a:t>4/17/2024</a:t>
+              <a:t>4/25/2024</a:t>
             </a:fld>
             <a:endParaRPr lang="en-US"/>
           </a:p>
@@ -3156,7 +3158,7 @@
           <a:p>
             <a:fld id="{E8EB4242-4669-4089-B1D3-7BBD76CE1D3D}" type="datetimeFigureOut">
               <a:rPr lang="en-US" smtClean="0"/>
-              <a:t>4/17/2024</a:t>
+              <a:t>4/25/2024</a:t>
             </a:fld>
             <a:endParaRPr lang="en-US"/>
           </a:p>
@@ -3672,7 +3674,7 @@
           <a:p>
             <a:fld id="{E8EB4242-4669-4089-B1D3-7BBD76CE1D3D}" type="datetimeFigureOut">
               <a:rPr lang="en-US" smtClean="0"/>
-              <a:t>4/17/2024</a:t>
+              <a:t>4/25/2024</a:t>
             </a:fld>
             <a:endParaRPr lang="en-US"/>
           </a:p>
@@ -4182,7 +4184,7 @@
           <a:p>
             <a:fld id="{E8EB4242-4669-4089-B1D3-7BBD76CE1D3D}" type="datetimeFigureOut">
               <a:rPr lang="en-US" smtClean="0"/>
-              <a:t>4/17/2024</a:t>
+              <a:t>4/25/2024</a:t>
             </a:fld>
             <a:endParaRPr lang="en-US"/>
           </a:p>
@@ -4425,7 +4427,7 @@
           <a:p>
             <a:fld id="{E8EB4242-4669-4089-B1D3-7BBD76CE1D3D}" type="datetimeFigureOut">
               <a:rPr lang="en-US" smtClean="0"/>
-              <a:t>4/17/2024</a:t>
+              <a:t>4/25/2024</a:t>
             </a:fld>
             <a:endParaRPr lang="en-US"/>
           </a:p>
@@ -6205,6 +6207,9 @@
             </a:r>
           </a:p>
           <a:p>
+            <a:pPr marL="0" indent="0">
+              <a:buNone/>
+            </a:pPr>
             <a:br>
               <a:rPr lang="en-US" dirty="0"/>
             </a:br>
@@ -6600,6 +6605,9 @@
             </a:r>
           </a:p>
           <a:p>
+            <a:pPr marL="0" indent="0">
+              <a:buNone/>
+            </a:pPr>
             <a:br>
               <a:rPr lang="en-US" dirty="0"/>
             </a:br>
@@ -6959,9 +6967,9 @@
             </a:r>
           </a:p>
           <a:p>
-            <a:br>
-              <a:rPr lang="en-US" dirty="0"/>
-            </a:br>
+            <a:pPr marL="0" indent="0">
+              <a:buNone/>
+            </a:pPr>
             <a:endParaRPr lang="en-IN" dirty="0"/>
           </a:p>
         </p:txBody>
@@ -7042,7 +7050,9 @@
         </p:nvSpPr>
         <p:spPr/>
         <p:txBody>
-          <a:bodyPr/>
+          <a:bodyPr>
+            <a:normAutofit/>
+          </a:bodyPr>
           <a:lstStyle/>
           <a:p>
             <a:pPr marL="0" indent="0" algn="l">
@@ -7554,7 +7564,7 @@
           <p:cNvPr id="2" name="Title 1">
             <a:extLst>
               <a:ext uri="{FF2B5EF4-FFF2-40B4-BE49-F238E27FC236}">
-                <a16:creationId xmlns:a16="http://schemas.microsoft.com/office/drawing/2014/main" id="{F00CF743-F2C5-F824-A721-9DB690F5B249}"/>
+                <a16:creationId xmlns:a16="http://schemas.microsoft.com/office/drawing/2014/main" id="{9977004B-B5D4-39C8-8D4F-618A6762D15B}"/>
               </a:ext>
             </a:extLst>
           </p:cNvPr>
@@ -7570,380 +7580,43 @@
           <a:bodyPr/>
           <a:lstStyle/>
           <a:p>
-            <a:r>
-              <a:rPr lang="en-IN" dirty="0"/>
-              <a:t>REFERENCES</a:t>
-            </a:r>
-          </a:p>
-        </p:txBody>
-      </p:sp>
-      <p:sp>
-        <p:nvSpPr>
-          <p:cNvPr id="3" name="Content Placeholder 2">
+            <a:endParaRPr lang="en-IN"/>
+          </a:p>
+        </p:txBody>
+      </p:sp>
+      <p:pic>
+        <p:nvPicPr>
+          <p:cNvPr id="5" name="Content Placeholder 4">
             <a:extLst>
               <a:ext uri="{FF2B5EF4-FFF2-40B4-BE49-F238E27FC236}">
-                <a16:creationId xmlns:a16="http://schemas.microsoft.com/office/drawing/2014/main" id="{A5036F56-6CAA-FABF-25B0-80B3A713F93A}"/>
+                <a16:creationId xmlns:a16="http://schemas.microsoft.com/office/drawing/2014/main" id="{6C7EE027-7E1B-F6D8-F295-36DB99ED8300}"/>
               </a:ext>
             </a:extLst>
           </p:cNvPr>
-          <p:cNvSpPr>
-            <a:spLocks noGrp="1"/>
-          </p:cNvSpPr>
+          <p:cNvPicPr>
+            <a:picLocks noGrp="1" noChangeAspect="1"/>
+          </p:cNvPicPr>
           <p:nvPr>
             <p:ph sz="quarter" idx="1"/>
           </p:nvPr>
-        </p:nvSpPr>
-        <p:spPr/>
-        <p:txBody>
-          <a:bodyPr>
-            <a:normAutofit fontScale="62500" lnSpcReduction="20000"/>
-          </a:bodyPr>
-          <a:lstStyle/>
-          <a:p>
-            <a:pPr algn="l">
-              <a:buFont typeface="+mj-lt"/>
-              <a:buAutoNum type="arabicPeriod"/>
-            </a:pPr>
-            <a:r>
-              <a:rPr lang="en-IN" b="0" i="0" dirty="0">
-                <a:solidFill>
-                  <a:srgbClr val="0D0D0D"/>
-                </a:solidFill>
-                <a:effectLst/>
-                <a:highlight>
-                  <a:srgbClr val="FFFFFF"/>
-                </a:highlight>
-                <a:latin typeface="Söhne"/>
-              </a:rPr>
-              <a:t>Smith, A., &amp; Jones, B. (2022). "Deep Learning for Image-Based Accident Detection: A CNN Approach." Journal of Intelligent Transportation Systems, 26(3), 215-230.</a:t>
-            </a:r>
-          </a:p>
-          <a:p>
-            <a:pPr algn="l">
-              <a:buFont typeface="+mj-lt"/>
-              <a:buAutoNum type="arabicPeriod"/>
-            </a:pPr>
-            <a:r>
-              <a:rPr lang="en-IN" b="0" i="0" dirty="0">
-                <a:solidFill>
-                  <a:srgbClr val="0D0D0D"/>
-                </a:solidFill>
-                <a:effectLst/>
-                <a:highlight>
-                  <a:srgbClr val="FFFFFF"/>
-                </a:highlight>
-                <a:latin typeface="Söhne"/>
-              </a:rPr>
-              <a:t>Patel, C., &amp; Kumar, D. (2023). "Real-time Accident Detection Using IoT and CNN." IEEE Transactions on Vehicular Technology, 72(6), 5678-5689.</a:t>
-            </a:r>
-          </a:p>
-          <a:p>
-            <a:pPr algn="l">
-              <a:buFont typeface="+mj-lt"/>
-              <a:buAutoNum type="arabicPeriod"/>
-            </a:pPr>
-            <a:r>
-              <a:rPr lang="en-IN" b="0" i="0" dirty="0">
-                <a:solidFill>
-                  <a:srgbClr val="0D0D0D"/>
-                </a:solidFill>
-                <a:effectLst/>
-                <a:highlight>
-                  <a:srgbClr val="FFFFFF"/>
-                </a:highlight>
-                <a:latin typeface="Söhne"/>
-              </a:rPr>
-              <a:t>Lee, E., &amp; Kim, S. (2021). "Enhancing Road Safety with Smart City Technologies: An Overview." Smart Cities Journal, 4(2), 110-125.</a:t>
-            </a:r>
-          </a:p>
-          <a:p>
-            <a:pPr algn="l">
-              <a:buFont typeface="+mj-lt"/>
-              <a:buAutoNum type="arabicPeriod"/>
-            </a:pPr>
-            <a:r>
-              <a:rPr lang="en-IN" b="0" i="0" dirty="0">
-                <a:solidFill>
-                  <a:srgbClr val="0D0D0D"/>
-                </a:solidFill>
-                <a:effectLst/>
-                <a:highlight>
-                  <a:srgbClr val="FFFFFF"/>
-                </a:highlight>
-                <a:latin typeface="Söhne"/>
-              </a:rPr>
-              <a:t>Zhang, L., &amp; Wang, Y. (2022). "Traffic Accident Analysis and Prevention Using Machine Learning Algorithms." Accident Analysis &amp; Prevention, 154, 105-115.</a:t>
-            </a:r>
-          </a:p>
-          <a:p>
-            <a:pPr algn="l">
-              <a:buFont typeface="+mj-lt"/>
-              <a:buAutoNum type="arabicPeriod"/>
-            </a:pPr>
-            <a:r>
-              <a:rPr lang="en-IN" b="0" i="0" dirty="0">
-                <a:solidFill>
-                  <a:srgbClr val="0D0D0D"/>
-                </a:solidFill>
-                <a:effectLst/>
-                <a:highlight>
-                  <a:srgbClr val="FFFFFF"/>
-                </a:highlight>
-                <a:latin typeface="Söhne"/>
-              </a:rPr>
-              <a:t>Convolutional Neural Networks: Architectures, Convolution Types, and Applications. (2022). [Online Course]. Coursera. Retrieved from </a:t>
-            </a:r>
-            <a:r>
-              <a:rPr lang="en-IN" b="0" i="0" u="none" strike="noStrike" dirty="0">
-                <a:solidFill>
-                  <a:srgbClr val="0D0D0D"/>
-                </a:solidFill>
-                <a:effectLst/>
-                <a:highlight>
-                  <a:srgbClr val="FFFFFF"/>
-                </a:highlight>
-                <a:latin typeface="Söhne"/>
-                <a:hlinkClick r:id="rId2"/>
-              </a:rPr>
-              <a:t>https://www.coursera.org/</a:t>
-            </a:r>
-            <a:endParaRPr lang="en-IN" b="0" i="0" dirty="0">
-              <a:solidFill>
-                <a:srgbClr val="0D0D0D"/>
-              </a:solidFill>
-              <a:effectLst/>
-              <a:highlight>
-                <a:srgbClr val="FFFFFF"/>
-              </a:highlight>
-              <a:latin typeface="Söhne"/>
-            </a:endParaRPr>
-          </a:p>
-          <a:p>
-            <a:pPr algn="l">
-              <a:buFont typeface="+mj-lt"/>
-              <a:buAutoNum type="arabicPeriod"/>
-            </a:pPr>
-            <a:r>
-              <a:rPr lang="en-IN" b="0" i="0" dirty="0">
-                <a:solidFill>
-                  <a:srgbClr val="0D0D0D"/>
-                </a:solidFill>
-                <a:effectLst/>
-                <a:highlight>
-                  <a:srgbClr val="FFFFFF"/>
-                </a:highlight>
-                <a:latin typeface="Söhne"/>
-              </a:rPr>
-              <a:t>World Health Organization (WHO). (2021). "Global Status Report on Road Safety." Retrieved from </a:t>
-            </a:r>
-            <a:r>
-              <a:rPr lang="en-IN" b="0" i="0" u="none" strike="noStrike" dirty="0">
-                <a:solidFill>
-                  <a:srgbClr val="0D0D0D"/>
-                </a:solidFill>
-                <a:effectLst/>
-                <a:highlight>
-                  <a:srgbClr val="FFFFFF"/>
-                </a:highlight>
-                <a:latin typeface="Söhne"/>
-                <a:hlinkClick r:id="rId3"/>
-              </a:rPr>
-              <a:t>https://www.who.int/road-safety/</a:t>
-            </a:r>
-            <a:endParaRPr lang="en-IN" b="0" i="0" dirty="0">
-              <a:solidFill>
-                <a:srgbClr val="0D0D0D"/>
-              </a:solidFill>
-              <a:effectLst/>
-              <a:highlight>
-                <a:srgbClr val="FFFFFF"/>
-              </a:highlight>
-              <a:latin typeface="Söhne"/>
-            </a:endParaRPr>
-          </a:p>
-          <a:p>
-            <a:pPr algn="l">
-              <a:buFont typeface="+mj-lt"/>
-              <a:buAutoNum type="arabicPeriod"/>
-            </a:pPr>
-            <a:r>
-              <a:rPr lang="en-IN" b="0" i="0" dirty="0">
-                <a:solidFill>
-                  <a:srgbClr val="0D0D0D"/>
-                </a:solidFill>
-                <a:effectLst/>
-                <a:highlight>
-                  <a:srgbClr val="FFFFFF"/>
-                </a:highlight>
-                <a:latin typeface="Söhne"/>
-              </a:rPr>
-              <a:t>Dashcam Dataset for Accident Detection. (2022). [Dataset]. Kaggle. Retrieved from </a:t>
-            </a:r>
-            <a:r>
-              <a:rPr lang="en-IN" b="0" i="0" u="none" strike="noStrike" dirty="0">
-                <a:solidFill>
-                  <a:srgbClr val="0D0D0D"/>
-                </a:solidFill>
-                <a:effectLst/>
-                <a:highlight>
-                  <a:srgbClr val="FFFFFF"/>
-                </a:highlight>
-                <a:latin typeface="Söhne"/>
-                <a:hlinkClick r:id="rId4"/>
-              </a:rPr>
-              <a:t>https://www.kaggle.com/</a:t>
-            </a:r>
-            <a:endParaRPr lang="en-IN" b="0" i="0" dirty="0">
-              <a:solidFill>
-                <a:srgbClr val="0D0D0D"/>
-              </a:solidFill>
-              <a:effectLst/>
-              <a:highlight>
-                <a:srgbClr val="FFFFFF"/>
-              </a:highlight>
-              <a:latin typeface="Söhne"/>
-            </a:endParaRPr>
-          </a:p>
-          <a:p>
-            <a:pPr algn="l">
-              <a:buFont typeface="+mj-lt"/>
-              <a:buAutoNum type="arabicPeriod"/>
-            </a:pPr>
-            <a:r>
-              <a:rPr lang="en-IN" b="0" i="0" dirty="0">
-                <a:solidFill>
-                  <a:srgbClr val="0D0D0D"/>
-                </a:solidFill>
-                <a:effectLst/>
-                <a:highlight>
-                  <a:srgbClr val="FFFFFF"/>
-                </a:highlight>
-                <a:latin typeface="Söhne"/>
-              </a:rPr>
-              <a:t>TensorFlow Documentation. (2023). Retrieved from </a:t>
-            </a:r>
-            <a:r>
-              <a:rPr lang="en-IN" b="0" i="0" u="none" strike="noStrike" dirty="0">
-                <a:solidFill>
-                  <a:srgbClr val="0D0D0D"/>
-                </a:solidFill>
-                <a:effectLst/>
-                <a:highlight>
-                  <a:srgbClr val="FFFFFF"/>
-                </a:highlight>
-                <a:latin typeface="Söhne"/>
-                <a:hlinkClick r:id="rId5"/>
-              </a:rPr>
-              <a:t>https://www.tensorflow.org/</a:t>
-            </a:r>
-            <a:endParaRPr lang="en-IN" b="0" i="0" dirty="0">
-              <a:solidFill>
-                <a:srgbClr val="0D0D0D"/>
-              </a:solidFill>
-              <a:effectLst/>
-              <a:highlight>
-                <a:srgbClr val="FFFFFF"/>
-              </a:highlight>
-              <a:latin typeface="Söhne"/>
-            </a:endParaRPr>
-          </a:p>
-          <a:p>
-            <a:pPr algn="l">
-              <a:buFont typeface="+mj-lt"/>
-              <a:buAutoNum type="arabicPeriod"/>
-            </a:pPr>
-            <a:r>
-              <a:rPr lang="en-IN" b="0" i="0" dirty="0">
-                <a:solidFill>
-                  <a:srgbClr val="0D0D0D"/>
-                </a:solidFill>
-                <a:effectLst/>
-                <a:highlight>
-                  <a:srgbClr val="FFFFFF"/>
-                </a:highlight>
-                <a:latin typeface="Söhne"/>
-              </a:rPr>
-              <a:t>Python Software Foundation. (2022). Python Language Reference, version 3.9. Available at </a:t>
-            </a:r>
-            <a:r>
-              <a:rPr lang="en-IN" b="0" i="0" u="none" strike="noStrike" dirty="0">
-                <a:solidFill>
-                  <a:srgbClr val="0D0D0D"/>
-                </a:solidFill>
-                <a:effectLst/>
-                <a:highlight>
-                  <a:srgbClr val="FFFFFF"/>
-                </a:highlight>
-                <a:latin typeface="Söhne"/>
-                <a:hlinkClick r:id="rId6"/>
-              </a:rPr>
-              <a:t>https://www.python.org/</a:t>
-            </a:r>
-            <a:endParaRPr lang="en-IN" b="0" i="0" dirty="0">
-              <a:solidFill>
-                <a:srgbClr val="0D0D0D"/>
-              </a:solidFill>
-              <a:effectLst/>
-              <a:highlight>
-                <a:srgbClr val="FFFFFF"/>
-              </a:highlight>
-              <a:latin typeface="Söhne"/>
-            </a:endParaRPr>
-          </a:p>
-          <a:p>
-            <a:pPr algn="l">
-              <a:buFont typeface="+mj-lt"/>
-              <a:buAutoNum type="arabicPeriod"/>
-            </a:pPr>
-            <a:r>
-              <a:rPr lang="en-IN" b="0" i="0" dirty="0">
-                <a:solidFill>
-                  <a:srgbClr val="0D0D0D"/>
-                </a:solidFill>
-                <a:effectLst/>
-                <a:highlight>
-                  <a:srgbClr val="FFFFFF"/>
-                </a:highlight>
-                <a:latin typeface="Söhne"/>
-              </a:rPr>
-              <a:t>OpenCV Library Documentation. (2023). Retrieved from </a:t>
-            </a:r>
-            <a:r>
-              <a:rPr lang="en-IN" b="0" i="0" u="none" strike="noStrike" dirty="0">
-                <a:solidFill>
-                  <a:srgbClr val="0D0D0D"/>
-                </a:solidFill>
-                <a:effectLst/>
-                <a:highlight>
-                  <a:srgbClr val="FFFFFF"/>
-                </a:highlight>
-                <a:latin typeface="Söhne"/>
-              </a:rPr>
-              <a:t>https://docs.opencv.org/</a:t>
-            </a:r>
-            <a:endParaRPr lang="en-IN" b="0" i="0" dirty="0">
-              <a:solidFill>
-                <a:srgbClr val="0D0D0D"/>
-              </a:solidFill>
-              <a:effectLst/>
-              <a:highlight>
-                <a:srgbClr val="FFFFFF"/>
-              </a:highlight>
-              <a:latin typeface="Söhne"/>
-            </a:endParaRPr>
-          </a:p>
-          <a:p>
-            <a:pPr marL="0" indent="0">
-              <a:buNone/>
-            </a:pPr>
-            <a:endParaRPr lang="en-IN" dirty="0"/>
-          </a:p>
-        </p:txBody>
-      </p:sp>
+        </p:nvPicPr>
+        <p:blipFill>
+          <a:blip r:embed="rId2"/>
+          <a:stretch>
+            <a:fillRect/>
+          </a:stretch>
+        </p:blipFill>
+        <p:spPr>
+          <a:xfrm>
+            <a:off x="457200" y="1662157"/>
+            <a:ext cx="7467600" cy="4749710"/>
+          </a:xfrm>
+        </p:spPr>
+      </p:pic>
     </p:spTree>
     <p:extLst>
       <p:ext uri="{BB962C8B-B14F-4D97-AF65-F5344CB8AC3E}">
-        <p14:creationId xmlns:p14="http://schemas.microsoft.com/office/powerpoint/2010/main" val="760248767"/>
+        <p14:creationId xmlns:p14="http://schemas.microsoft.com/office/powerpoint/2010/main" val="3781069587"/>
       </p:ext>
     </p:extLst>
   </p:cSld>
@@ -7972,44 +7645,62 @@
       </p:grpSpPr>
       <p:sp>
         <p:nvSpPr>
-          <p:cNvPr id="3" name="Content Placeholder 2"/>
+          <p:cNvPr id="2" name="Title 1">
+            <a:extLst>
+              <a:ext uri="{FF2B5EF4-FFF2-40B4-BE49-F238E27FC236}">
+                <a16:creationId xmlns:a16="http://schemas.microsoft.com/office/drawing/2014/main" id="{DD177389-611D-5F02-4B95-C2A28C27A793}"/>
+              </a:ext>
+            </a:extLst>
+          </p:cNvPr>
           <p:cNvSpPr>
             <a:spLocks noGrp="1"/>
           </p:cNvSpPr>
+          <p:nvPr>
+            <p:ph type="title"/>
+          </p:nvPr>
+        </p:nvSpPr>
+        <p:spPr/>
+        <p:txBody>
+          <a:bodyPr/>
+          <a:lstStyle/>
+          <a:p>
+            <a:endParaRPr lang="en-IN"/>
+          </a:p>
+        </p:txBody>
+      </p:sp>
+      <p:pic>
+        <p:nvPicPr>
+          <p:cNvPr id="9" name="Content Placeholder 8">
+            <a:extLst>
+              <a:ext uri="{FF2B5EF4-FFF2-40B4-BE49-F238E27FC236}">
+                <a16:creationId xmlns:a16="http://schemas.microsoft.com/office/drawing/2014/main" id="{5471145D-6418-DE1B-9FA6-64875FE6630C}"/>
+              </a:ext>
+            </a:extLst>
+          </p:cNvPr>
+          <p:cNvPicPr>
+            <a:picLocks noGrp="1" noChangeAspect="1"/>
+          </p:cNvPicPr>
           <p:nvPr>
             <p:ph sz="quarter" idx="1"/>
           </p:nvPr>
-        </p:nvSpPr>
-        <p:spPr/>
-        <p:txBody>
-          <a:bodyPr/>
-          <a:lstStyle/>
-          <a:p>
-            <a:endParaRPr lang="en-US" dirty="0"/>
-          </a:p>
-          <a:p>
-            <a:endParaRPr lang="en-US" dirty="0"/>
-          </a:p>
-          <a:p>
-            <a:endParaRPr lang="en-US" dirty="0"/>
-          </a:p>
-          <a:p>
-            <a:pPr marL="2286000" lvl="8" indent="0">
-              <a:buNone/>
-            </a:pPr>
-            <a:r>
-              <a:rPr lang="en-US" sz="4000" dirty="0">
-                <a:latin typeface="Monotype Corsiva" pitchFamily="66" charset="0"/>
-              </a:rPr>
-              <a:t>THANK YOU</a:t>
-            </a:r>
-          </a:p>
-        </p:txBody>
-      </p:sp>
+        </p:nvPicPr>
+        <p:blipFill>
+          <a:blip r:embed="rId2"/>
+          <a:stretch>
+            <a:fillRect/>
+          </a:stretch>
+        </p:blipFill>
+        <p:spPr>
+          <a:xfrm>
+            <a:off x="506504" y="1600200"/>
+            <a:ext cx="7368992" cy="4873625"/>
+          </a:xfrm>
+        </p:spPr>
+      </p:pic>
     </p:spTree>
     <p:extLst>
       <p:ext uri="{BB962C8B-B14F-4D97-AF65-F5344CB8AC3E}">
-        <p14:creationId xmlns:p14="http://schemas.microsoft.com/office/powerpoint/2010/main" val="1545862502"/>
+        <p14:creationId xmlns:p14="http://schemas.microsoft.com/office/powerpoint/2010/main" val="2096783510"/>
       </p:ext>
     </p:extLst>
   </p:cSld>
@@ -8234,6 +7925,493 @@
     <p:extLst>
       <p:ext uri="{BB962C8B-B14F-4D97-AF65-F5344CB8AC3E}">
         <p14:creationId xmlns:p14="http://schemas.microsoft.com/office/powerpoint/2010/main" val="2332072712"/>
+      </p:ext>
+    </p:extLst>
+  </p:cSld>
+  <p:clrMapOvr>
+    <a:masterClrMapping/>
+  </p:clrMapOvr>
+</p:sld>
+</file>
+
+<file path=ppt/slides/slide20.xml><?xml version="1.0" encoding="utf-8"?>
+<p:sld xmlns:a="http://schemas.openxmlformats.org/drawingml/2006/main" xmlns:r="http://schemas.openxmlformats.org/officeDocument/2006/relationships" xmlns:p="http://schemas.openxmlformats.org/presentationml/2006/main">
+  <p:cSld>
+    <p:spTree>
+      <p:nvGrpSpPr>
+        <p:cNvPr id="1" name=""/>
+        <p:cNvGrpSpPr/>
+        <p:nvPr/>
+      </p:nvGrpSpPr>
+      <p:grpSpPr>
+        <a:xfrm>
+          <a:off x="0" y="0"/>
+          <a:ext cx="0" cy="0"/>
+          <a:chOff x="0" y="0"/>
+          <a:chExt cx="0" cy="0"/>
+        </a:xfrm>
+      </p:grpSpPr>
+      <p:sp>
+        <p:nvSpPr>
+          <p:cNvPr id="2" name="Title 1">
+            <a:extLst>
+              <a:ext uri="{FF2B5EF4-FFF2-40B4-BE49-F238E27FC236}">
+                <a16:creationId xmlns:a16="http://schemas.microsoft.com/office/drawing/2014/main" id="{F00CF743-F2C5-F824-A721-9DB690F5B249}"/>
+              </a:ext>
+            </a:extLst>
+          </p:cNvPr>
+          <p:cNvSpPr>
+            <a:spLocks noGrp="1"/>
+          </p:cNvSpPr>
+          <p:nvPr>
+            <p:ph type="title"/>
+          </p:nvPr>
+        </p:nvSpPr>
+        <p:spPr/>
+        <p:txBody>
+          <a:bodyPr/>
+          <a:lstStyle/>
+          <a:p>
+            <a:r>
+              <a:rPr lang="en-IN" dirty="0"/>
+              <a:t>REFERENCES</a:t>
+            </a:r>
+          </a:p>
+        </p:txBody>
+      </p:sp>
+      <p:sp>
+        <p:nvSpPr>
+          <p:cNvPr id="3" name="Content Placeholder 2">
+            <a:extLst>
+              <a:ext uri="{FF2B5EF4-FFF2-40B4-BE49-F238E27FC236}">
+                <a16:creationId xmlns:a16="http://schemas.microsoft.com/office/drawing/2014/main" id="{A5036F56-6CAA-FABF-25B0-80B3A713F93A}"/>
+              </a:ext>
+            </a:extLst>
+          </p:cNvPr>
+          <p:cNvSpPr>
+            <a:spLocks noGrp="1"/>
+          </p:cNvSpPr>
+          <p:nvPr>
+            <p:ph sz="quarter" idx="1"/>
+          </p:nvPr>
+        </p:nvSpPr>
+        <p:spPr/>
+        <p:txBody>
+          <a:bodyPr>
+            <a:normAutofit fontScale="62500" lnSpcReduction="20000"/>
+          </a:bodyPr>
+          <a:lstStyle/>
+          <a:p>
+            <a:pPr algn="l">
+              <a:buFont typeface="+mj-lt"/>
+              <a:buAutoNum type="arabicPeriod"/>
+            </a:pPr>
+            <a:r>
+              <a:rPr lang="en-IN" b="0" i="0" dirty="0">
+                <a:solidFill>
+                  <a:srgbClr val="0D0D0D"/>
+                </a:solidFill>
+                <a:effectLst/>
+                <a:highlight>
+                  <a:srgbClr val="FFFFFF"/>
+                </a:highlight>
+                <a:latin typeface="Söhne"/>
+              </a:rPr>
+              <a:t>Smith, A., &amp; Jones, B. (2022). "Deep Learning for Image-Based Accident Detection: A CNN Approach." Journal of Intelligent Transportation Systems, 26(3), 215-230.</a:t>
+            </a:r>
+          </a:p>
+          <a:p>
+            <a:pPr algn="l">
+              <a:buFont typeface="+mj-lt"/>
+              <a:buAutoNum type="arabicPeriod"/>
+            </a:pPr>
+            <a:r>
+              <a:rPr lang="en-IN" b="0" i="0" dirty="0">
+                <a:solidFill>
+                  <a:srgbClr val="0D0D0D"/>
+                </a:solidFill>
+                <a:effectLst/>
+                <a:highlight>
+                  <a:srgbClr val="FFFFFF"/>
+                </a:highlight>
+                <a:latin typeface="Söhne"/>
+              </a:rPr>
+              <a:t>Patel, C., &amp; Kumar, D. (2023). "Real-time Accident Detection Using IoT and CNN." IEEE Transactions on Vehicular Technology, 72(6), 5678-5689.</a:t>
+            </a:r>
+          </a:p>
+          <a:p>
+            <a:pPr algn="l">
+              <a:buFont typeface="+mj-lt"/>
+              <a:buAutoNum type="arabicPeriod"/>
+            </a:pPr>
+            <a:r>
+              <a:rPr lang="en-IN" b="0" i="0" dirty="0">
+                <a:solidFill>
+                  <a:srgbClr val="0D0D0D"/>
+                </a:solidFill>
+                <a:effectLst/>
+                <a:highlight>
+                  <a:srgbClr val="FFFFFF"/>
+                </a:highlight>
+                <a:latin typeface="Söhne"/>
+              </a:rPr>
+              <a:t>Lee, E., &amp; Kim, S. (2021). "Enhancing Road Safety with Smart City Technologies: An Overview." Smart Cities Journal, 4(2), 110-125.</a:t>
+            </a:r>
+          </a:p>
+          <a:p>
+            <a:pPr algn="l">
+              <a:buFont typeface="+mj-lt"/>
+              <a:buAutoNum type="arabicPeriod"/>
+            </a:pPr>
+            <a:r>
+              <a:rPr lang="en-IN" b="0" i="0" dirty="0">
+                <a:solidFill>
+                  <a:srgbClr val="0D0D0D"/>
+                </a:solidFill>
+                <a:effectLst/>
+                <a:highlight>
+                  <a:srgbClr val="FFFFFF"/>
+                </a:highlight>
+                <a:latin typeface="Söhne"/>
+              </a:rPr>
+              <a:t>Zhang, L., &amp; Wang, Y. (2022). "Traffic Accident Analysis and Prevention Using Machine Learning Algorithms." Accident Analysis &amp; Prevention, 154, 105-115.</a:t>
+            </a:r>
+          </a:p>
+          <a:p>
+            <a:pPr algn="l">
+              <a:buFont typeface="+mj-lt"/>
+              <a:buAutoNum type="arabicPeriod"/>
+            </a:pPr>
+            <a:r>
+              <a:rPr lang="en-IN" b="0" i="0" dirty="0">
+                <a:solidFill>
+                  <a:srgbClr val="0D0D0D"/>
+                </a:solidFill>
+                <a:effectLst/>
+                <a:highlight>
+                  <a:srgbClr val="FFFFFF"/>
+                </a:highlight>
+                <a:latin typeface="Söhne"/>
+              </a:rPr>
+              <a:t>Convolutional Neural Networks: Architectures, Convolution Types, and Applications. (2022). [Online Course]. Coursera. Retrieved from </a:t>
+            </a:r>
+            <a:r>
+              <a:rPr lang="en-IN" b="0" i="0" u="none" strike="noStrike" dirty="0">
+                <a:solidFill>
+                  <a:srgbClr val="0D0D0D"/>
+                </a:solidFill>
+                <a:effectLst/>
+                <a:highlight>
+                  <a:srgbClr val="FFFFFF"/>
+                </a:highlight>
+                <a:latin typeface="Söhne"/>
+                <a:hlinkClick r:id="rId2"/>
+              </a:rPr>
+              <a:t>https://www.coursera.org/</a:t>
+            </a:r>
+            <a:endParaRPr lang="en-IN" b="0" i="0" dirty="0">
+              <a:solidFill>
+                <a:srgbClr val="0D0D0D"/>
+              </a:solidFill>
+              <a:effectLst/>
+              <a:highlight>
+                <a:srgbClr val="FFFFFF"/>
+              </a:highlight>
+              <a:latin typeface="Söhne"/>
+            </a:endParaRPr>
+          </a:p>
+          <a:p>
+            <a:pPr algn="l">
+              <a:buFont typeface="+mj-lt"/>
+              <a:buAutoNum type="arabicPeriod"/>
+            </a:pPr>
+            <a:r>
+              <a:rPr lang="en-IN" b="0" i="0" dirty="0">
+                <a:solidFill>
+                  <a:srgbClr val="0D0D0D"/>
+                </a:solidFill>
+                <a:effectLst/>
+                <a:highlight>
+                  <a:srgbClr val="FFFFFF"/>
+                </a:highlight>
+                <a:latin typeface="Söhne"/>
+              </a:rPr>
+              <a:t>World Health Organization (WHO). (2021). "Global Status Report on Road Safety." Retrieved from </a:t>
+            </a:r>
+            <a:r>
+              <a:rPr lang="en-IN" b="0" i="0" u="none" strike="noStrike" dirty="0">
+                <a:solidFill>
+                  <a:srgbClr val="0D0D0D"/>
+                </a:solidFill>
+                <a:effectLst/>
+                <a:highlight>
+                  <a:srgbClr val="FFFFFF"/>
+                </a:highlight>
+                <a:latin typeface="Söhne"/>
+                <a:hlinkClick r:id="rId3"/>
+              </a:rPr>
+              <a:t>https://www.who.int/road-safety/</a:t>
+            </a:r>
+            <a:endParaRPr lang="en-IN" b="0" i="0" dirty="0">
+              <a:solidFill>
+                <a:srgbClr val="0D0D0D"/>
+              </a:solidFill>
+              <a:effectLst/>
+              <a:highlight>
+                <a:srgbClr val="FFFFFF"/>
+              </a:highlight>
+              <a:latin typeface="Söhne"/>
+            </a:endParaRPr>
+          </a:p>
+          <a:p>
+            <a:pPr algn="l">
+              <a:buFont typeface="+mj-lt"/>
+              <a:buAutoNum type="arabicPeriod"/>
+            </a:pPr>
+            <a:r>
+              <a:rPr lang="en-IN" b="0" i="0" dirty="0">
+                <a:solidFill>
+                  <a:srgbClr val="0D0D0D"/>
+                </a:solidFill>
+                <a:effectLst/>
+                <a:highlight>
+                  <a:srgbClr val="FFFFFF"/>
+                </a:highlight>
+                <a:latin typeface="Söhne"/>
+              </a:rPr>
+              <a:t>Dashcam Dataset for Accident Detection. (2022). [Dataset]. Kaggle. Retrieved from </a:t>
+            </a:r>
+            <a:r>
+              <a:rPr lang="en-IN" b="0" i="0" u="none" strike="noStrike" dirty="0">
+                <a:solidFill>
+                  <a:srgbClr val="0D0D0D"/>
+                </a:solidFill>
+                <a:effectLst/>
+                <a:highlight>
+                  <a:srgbClr val="FFFFFF"/>
+                </a:highlight>
+                <a:latin typeface="Söhne"/>
+                <a:hlinkClick r:id="rId4"/>
+              </a:rPr>
+              <a:t>https://www.kaggle.com/</a:t>
+            </a:r>
+            <a:endParaRPr lang="en-IN" b="0" i="0" dirty="0">
+              <a:solidFill>
+                <a:srgbClr val="0D0D0D"/>
+              </a:solidFill>
+              <a:effectLst/>
+              <a:highlight>
+                <a:srgbClr val="FFFFFF"/>
+              </a:highlight>
+              <a:latin typeface="Söhne"/>
+            </a:endParaRPr>
+          </a:p>
+          <a:p>
+            <a:pPr algn="l">
+              <a:buFont typeface="+mj-lt"/>
+              <a:buAutoNum type="arabicPeriod"/>
+            </a:pPr>
+            <a:r>
+              <a:rPr lang="en-IN" b="0" i="0" dirty="0">
+                <a:solidFill>
+                  <a:srgbClr val="0D0D0D"/>
+                </a:solidFill>
+                <a:effectLst/>
+                <a:highlight>
+                  <a:srgbClr val="FFFFFF"/>
+                </a:highlight>
+                <a:latin typeface="Söhne"/>
+              </a:rPr>
+              <a:t>TensorFlow Documentation. (2023). Retrieved from </a:t>
+            </a:r>
+            <a:r>
+              <a:rPr lang="en-IN" b="0" i="0" u="none" strike="noStrike" dirty="0">
+                <a:solidFill>
+                  <a:srgbClr val="0D0D0D"/>
+                </a:solidFill>
+                <a:effectLst/>
+                <a:highlight>
+                  <a:srgbClr val="FFFFFF"/>
+                </a:highlight>
+                <a:latin typeface="Söhne"/>
+                <a:hlinkClick r:id="rId5"/>
+              </a:rPr>
+              <a:t>https://www.tensorflow.org/</a:t>
+            </a:r>
+            <a:endParaRPr lang="en-IN" b="0" i="0" dirty="0">
+              <a:solidFill>
+                <a:srgbClr val="0D0D0D"/>
+              </a:solidFill>
+              <a:effectLst/>
+              <a:highlight>
+                <a:srgbClr val="FFFFFF"/>
+              </a:highlight>
+              <a:latin typeface="Söhne"/>
+            </a:endParaRPr>
+          </a:p>
+          <a:p>
+            <a:pPr algn="l">
+              <a:buFont typeface="+mj-lt"/>
+              <a:buAutoNum type="arabicPeriod"/>
+            </a:pPr>
+            <a:r>
+              <a:rPr lang="en-IN" b="0" i="0" dirty="0">
+                <a:solidFill>
+                  <a:srgbClr val="0D0D0D"/>
+                </a:solidFill>
+                <a:effectLst/>
+                <a:highlight>
+                  <a:srgbClr val="FFFFFF"/>
+                </a:highlight>
+                <a:latin typeface="Söhne"/>
+              </a:rPr>
+              <a:t>Python Software Foundation. (2022). Python Language Reference, version 3.9. Available at </a:t>
+            </a:r>
+            <a:r>
+              <a:rPr lang="en-IN" b="0" i="0" u="none" strike="noStrike" dirty="0">
+                <a:solidFill>
+                  <a:srgbClr val="0D0D0D"/>
+                </a:solidFill>
+                <a:effectLst/>
+                <a:highlight>
+                  <a:srgbClr val="FFFFFF"/>
+                </a:highlight>
+                <a:latin typeface="Söhne"/>
+                <a:hlinkClick r:id="rId6"/>
+              </a:rPr>
+              <a:t>https://www.python.org/</a:t>
+            </a:r>
+            <a:endParaRPr lang="en-IN" b="0" i="0" dirty="0">
+              <a:solidFill>
+                <a:srgbClr val="0D0D0D"/>
+              </a:solidFill>
+              <a:effectLst/>
+              <a:highlight>
+                <a:srgbClr val="FFFFFF"/>
+              </a:highlight>
+              <a:latin typeface="Söhne"/>
+            </a:endParaRPr>
+          </a:p>
+          <a:p>
+            <a:pPr algn="l">
+              <a:buFont typeface="+mj-lt"/>
+              <a:buAutoNum type="arabicPeriod"/>
+            </a:pPr>
+            <a:r>
+              <a:rPr lang="en-IN" b="0" i="0" dirty="0">
+                <a:solidFill>
+                  <a:srgbClr val="0D0D0D"/>
+                </a:solidFill>
+                <a:effectLst/>
+                <a:highlight>
+                  <a:srgbClr val="FFFFFF"/>
+                </a:highlight>
+                <a:latin typeface="Söhne"/>
+              </a:rPr>
+              <a:t>OpenCV Library Documentation. (2023). Retrieved from </a:t>
+            </a:r>
+            <a:r>
+              <a:rPr lang="en-IN" b="0" i="0" u="none" strike="noStrike" dirty="0">
+                <a:solidFill>
+                  <a:srgbClr val="0D0D0D"/>
+                </a:solidFill>
+                <a:effectLst/>
+                <a:highlight>
+                  <a:srgbClr val="FFFFFF"/>
+                </a:highlight>
+                <a:latin typeface="Söhne"/>
+              </a:rPr>
+              <a:t>https://docs.opencv.org/</a:t>
+            </a:r>
+            <a:endParaRPr lang="en-IN" b="0" i="0" dirty="0">
+              <a:solidFill>
+                <a:srgbClr val="0D0D0D"/>
+              </a:solidFill>
+              <a:effectLst/>
+              <a:highlight>
+                <a:srgbClr val="FFFFFF"/>
+              </a:highlight>
+              <a:latin typeface="Söhne"/>
+            </a:endParaRPr>
+          </a:p>
+          <a:p>
+            <a:pPr marL="0" indent="0">
+              <a:buNone/>
+            </a:pPr>
+            <a:endParaRPr lang="en-IN" dirty="0"/>
+          </a:p>
+        </p:txBody>
+      </p:sp>
+    </p:spTree>
+    <p:extLst>
+      <p:ext uri="{BB962C8B-B14F-4D97-AF65-F5344CB8AC3E}">
+        <p14:creationId xmlns:p14="http://schemas.microsoft.com/office/powerpoint/2010/main" val="760248767"/>
+      </p:ext>
+    </p:extLst>
+  </p:cSld>
+  <p:clrMapOvr>
+    <a:masterClrMapping/>
+  </p:clrMapOvr>
+</p:sld>
+</file>
+
+<file path=ppt/slides/slide21.xml><?xml version="1.0" encoding="utf-8"?>
+<p:sld xmlns:a="http://schemas.openxmlformats.org/drawingml/2006/main" xmlns:r="http://schemas.openxmlformats.org/officeDocument/2006/relationships" xmlns:p="http://schemas.openxmlformats.org/presentationml/2006/main">
+  <p:cSld>
+    <p:spTree>
+      <p:nvGrpSpPr>
+        <p:cNvPr id="1" name=""/>
+        <p:cNvGrpSpPr/>
+        <p:nvPr/>
+      </p:nvGrpSpPr>
+      <p:grpSpPr>
+        <a:xfrm>
+          <a:off x="0" y="0"/>
+          <a:ext cx="0" cy="0"/>
+          <a:chOff x="0" y="0"/>
+          <a:chExt cx="0" cy="0"/>
+        </a:xfrm>
+      </p:grpSpPr>
+      <p:sp>
+        <p:nvSpPr>
+          <p:cNvPr id="3" name="Content Placeholder 2"/>
+          <p:cNvSpPr>
+            <a:spLocks noGrp="1"/>
+          </p:cNvSpPr>
+          <p:nvPr>
+            <p:ph sz="quarter" idx="1"/>
+          </p:nvPr>
+        </p:nvSpPr>
+        <p:spPr/>
+        <p:txBody>
+          <a:bodyPr/>
+          <a:lstStyle/>
+          <a:p>
+            <a:endParaRPr lang="en-US" dirty="0"/>
+          </a:p>
+          <a:p>
+            <a:endParaRPr lang="en-US" dirty="0"/>
+          </a:p>
+          <a:p>
+            <a:endParaRPr lang="en-US" dirty="0"/>
+          </a:p>
+          <a:p>
+            <a:pPr marL="2286000" lvl="8" indent="0">
+              <a:buNone/>
+            </a:pPr>
+            <a:r>
+              <a:rPr lang="en-US" sz="4000" dirty="0">
+                <a:latin typeface="Monotype Corsiva" pitchFamily="66" charset="0"/>
+              </a:rPr>
+              <a:t>THANK YOU</a:t>
+            </a:r>
+          </a:p>
+        </p:txBody>
+      </p:sp>
+    </p:spTree>
+    <p:extLst>
+      <p:ext uri="{BB962C8B-B14F-4D97-AF65-F5344CB8AC3E}">
+        <p14:creationId xmlns:p14="http://schemas.microsoft.com/office/powerpoint/2010/main" val="1545862502"/>
       </p:ext>
     </p:extLst>
   </p:cSld>
@@ -8913,6 +9091,9 @@
             </a:r>
           </a:p>
           <a:p>
+            <a:pPr marL="0" indent="0">
+              <a:buNone/>
+            </a:pPr>
             <a:br>
               <a:rPr lang="en-US" dirty="0"/>
             </a:br>

--- a/AccidentDetection_Using_CNN.pptx
+++ b/AccidentDetection_Using_CNN.pptx
@@ -19,13 +19,16 @@
     <p:sldId id="305" r:id="rId13"/>
     <p:sldId id="306" r:id="rId14"/>
     <p:sldId id="307" r:id="rId15"/>
-    <p:sldId id="308" r:id="rId16"/>
-    <p:sldId id="309" r:id="rId17"/>
-    <p:sldId id="310" r:id="rId18"/>
-    <p:sldId id="312" r:id="rId19"/>
-    <p:sldId id="313" r:id="rId20"/>
-    <p:sldId id="311" r:id="rId21"/>
-    <p:sldId id="284" r:id="rId22"/>
+    <p:sldId id="314" r:id="rId16"/>
+    <p:sldId id="315" r:id="rId17"/>
+    <p:sldId id="308" r:id="rId18"/>
+    <p:sldId id="309" r:id="rId19"/>
+    <p:sldId id="310" r:id="rId20"/>
+    <p:sldId id="312" r:id="rId21"/>
+    <p:sldId id="313" r:id="rId22"/>
+    <p:sldId id="316" r:id="rId23"/>
+    <p:sldId id="311" r:id="rId24"/>
+    <p:sldId id="284" r:id="rId25"/>
   </p:sldIdLst>
   <p:sldSz cx="9144000" cy="6858000" type="screen4x3"/>
   <p:notesSz cx="6858000" cy="9144000"/>
@@ -6650,7 +6653,7 @@
           <p:cNvPr id="2" name="Title 1">
             <a:extLst>
               <a:ext uri="{FF2B5EF4-FFF2-40B4-BE49-F238E27FC236}">
-                <a16:creationId xmlns:a16="http://schemas.microsoft.com/office/drawing/2014/main" id="{C8E514C4-1C94-2D89-E3A1-A0EFF782AB23}"/>
+                <a16:creationId xmlns:a16="http://schemas.microsoft.com/office/drawing/2014/main" id="{5D57CF0C-7D97-249A-AB16-ED6F74C654B9}"/>
               </a:ext>
             </a:extLst>
           </p:cNvPr>
@@ -6667,9 +6670,10 @@
           <a:lstStyle/>
           <a:p>
             <a:r>
-              <a:rPr lang="en-IN" dirty="0"/>
-              <a:t>RESULTS AND SIMULATIONS</a:t>
-            </a:r>
+              <a:rPr lang="en-US" dirty="0"/>
+              <a:t>implementation</a:t>
+            </a:r>
+            <a:endParaRPr lang="en-IN" dirty="0"/>
           </a:p>
         </p:txBody>
       </p:sp>
@@ -6678,7 +6682,7 @@
           <p:cNvPr id="3" name="Content Placeholder 2">
             <a:extLst>
               <a:ext uri="{FF2B5EF4-FFF2-40B4-BE49-F238E27FC236}">
-                <a16:creationId xmlns:a16="http://schemas.microsoft.com/office/drawing/2014/main" id="{09299A48-B25C-D9AF-D24B-5D469F206936}"/>
+                <a16:creationId xmlns:a16="http://schemas.microsoft.com/office/drawing/2014/main" id="{73964093-79A5-5BC8-9092-4C2F3BBDE7E3}"/>
               </a:ext>
             </a:extLst>
           </p:cNvPr>
@@ -6696,288 +6700,88 @@
           </a:bodyPr>
           <a:lstStyle/>
           <a:p>
-            <a:pPr marL="0" indent="0" algn="l">
-              <a:lnSpc>
-                <a:spcPct val="150000"/>
-              </a:lnSpc>
-              <a:buNone/>
-            </a:pPr>
-            <a:r>
-              <a:rPr lang="en-US" sz="1500" b="1" i="0" dirty="0">
-                <a:solidFill>
-                  <a:srgbClr val="0D0D0D"/>
-                </a:solidFill>
-                <a:effectLst/>
-                <a:highlight>
-                  <a:srgbClr val="FFFFFF"/>
-                </a:highlight>
-                <a:latin typeface="Söhne"/>
-              </a:rPr>
-              <a:t>Performance Metrics:</a:t>
-            </a:r>
-            <a:endParaRPr lang="en-US" sz="1500" b="0" i="0" dirty="0">
-              <a:solidFill>
-                <a:srgbClr val="0D0D0D"/>
-              </a:solidFill>
-              <a:effectLst/>
-              <a:highlight>
-                <a:srgbClr val="FFFFFF"/>
-              </a:highlight>
+            <a:r>
+              <a:rPr lang="en-US" sz="1400" b="1" dirty="0">
+                <a:latin typeface="Söhne"/>
+              </a:rPr>
+              <a:t>Data Collection: </a:t>
+            </a:r>
+            <a:r>
+              <a:rPr lang="en-US" sz="1400" dirty="0">
+                <a:latin typeface="Söhne"/>
+              </a:rPr>
+              <a:t>Collect sufficient data samples and legitimate software samples</a:t>
+            </a:r>
+            <a:r>
+              <a:rPr lang="en-US" sz="1400" dirty="0"/>
+              <a:t>.</a:t>
+            </a:r>
+          </a:p>
+          <a:p>
+            <a:r>
+              <a:rPr lang="en-US" sz="1400" b="1" dirty="0">
+                <a:latin typeface="Söhne"/>
+              </a:rPr>
+              <a:t>Feature Extraction: </a:t>
+            </a:r>
+            <a:r>
+              <a:rPr lang="en-US" sz="1400" dirty="0">
+                <a:latin typeface="Söhne"/>
+              </a:rPr>
+              <a:t>For each video’s extract the features using image processing.</a:t>
+            </a:r>
+          </a:p>
+          <a:p>
+            <a:r>
+              <a:rPr lang="en-US" sz="1400" b="1" dirty="0">
+                <a:latin typeface="Söhne"/>
+              </a:rPr>
+              <a:t>Train and Test Modelling: </a:t>
+            </a:r>
+            <a:r>
+              <a:rPr lang="en-US" sz="1400" dirty="0">
+                <a:latin typeface="Söhne"/>
+              </a:rPr>
+              <a:t>Split the data into train and test data Train will be used for training the model and Test data to check the performance.</a:t>
+            </a:r>
+          </a:p>
+          <a:p>
+            <a:r>
+              <a:rPr lang="en-US" sz="1400" b="1" dirty="0">
+                <a:latin typeface="Söhne"/>
+              </a:rPr>
+              <a:t>Modelling</a:t>
+            </a:r>
+            <a:r>
+              <a:rPr lang="en-US" sz="1400" dirty="0">
+                <a:latin typeface="Söhne"/>
+              </a:rPr>
+              <a:t>: CNN. Combine the training deep learning algorithms and establish a classification model. </a:t>
+            </a:r>
+          </a:p>
+          <a:p>
+            <a:r>
+              <a:rPr lang="en-US" sz="1400" b="1" dirty="0">
+                <a:latin typeface="Söhne"/>
+              </a:rPr>
+              <a:t>Detection: </a:t>
+            </a:r>
+            <a:r>
+              <a:rPr lang="en-US" sz="1400" dirty="0">
+                <a:latin typeface="Söhne"/>
+              </a:rPr>
+              <a:t>in this module we will detect accident by uploading video.</a:t>
+            </a:r>
+            <a:endParaRPr lang="en-IN" sz="1800" dirty="0">
               <a:latin typeface="Söhne"/>
             </a:endParaRPr>
-          </a:p>
-          <a:p>
-            <a:pPr algn="l">
-              <a:lnSpc>
-                <a:spcPct val="150000"/>
-              </a:lnSpc>
-              <a:buFont typeface="Arial" panose="020B0604020202020204" pitchFamily="34" charset="0"/>
-              <a:buChar char="•"/>
-            </a:pPr>
-            <a:r>
-              <a:rPr lang="en-US" sz="1500" b="1" i="0" dirty="0">
-                <a:solidFill>
-                  <a:srgbClr val="0D0D0D"/>
-                </a:solidFill>
-                <a:effectLst/>
-                <a:highlight>
-                  <a:srgbClr val="FFFFFF"/>
-                </a:highlight>
-                <a:latin typeface="Söhne"/>
-              </a:rPr>
-              <a:t>Accuracy:</a:t>
-            </a:r>
-            <a:endParaRPr lang="en-US" sz="1500" b="0" i="0" dirty="0">
-              <a:solidFill>
-                <a:srgbClr val="0D0D0D"/>
-              </a:solidFill>
-              <a:effectLst/>
-              <a:highlight>
-                <a:srgbClr val="FFFFFF"/>
-              </a:highlight>
-              <a:latin typeface="Söhne"/>
-            </a:endParaRPr>
-          </a:p>
-          <a:p>
-            <a:pPr marL="742950" lvl="1" indent="-285750" algn="l">
-              <a:lnSpc>
-                <a:spcPct val="150000"/>
-              </a:lnSpc>
-              <a:buFont typeface="Arial" panose="020B0604020202020204" pitchFamily="34" charset="0"/>
-              <a:buChar char="•"/>
-            </a:pPr>
-            <a:r>
-              <a:rPr lang="en-US" sz="1500" b="0" i="0" dirty="0">
-                <a:solidFill>
-                  <a:srgbClr val="0D0D0D"/>
-                </a:solidFill>
-                <a:effectLst/>
-                <a:highlight>
-                  <a:srgbClr val="FFFFFF"/>
-                </a:highlight>
-                <a:latin typeface="Söhne"/>
-              </a:rPr>
-              <a:t>Our CNN-based accident detection system achieved an accuracy of </a:t>
-            </a:r>
-            <a:r>
-              <a:rPr lang="en-US" sz="1500" b="1" i="0" dirty="0">
-                <a:solidFill>
-                  <a:srgbClr val="0D0D0D"/>
-                </a:solidFill>
-                <a:effectLst/>
-                <a:highlight>
-                  <a:srgbClr val="FFFFFF"/>
-                </a:highlight>
-                <a:latin typeface="Söhne"/>
-              </a:rPr>
-              <a:t>95%</a:t>
-            </a:r>
-            <a:r>
-              <a:rPr lang="en-US" sz="1500" b="0" i="0" dirty="0">
-                <a:solidFill>
-                  <a:srgbClr val="0D0D0D"/>
-                </a:solidFill>
-                <a:effectLst/>
-                <a:highlight>
-                  <a:srgbClr val="FFFFFF"/>
-                </a:highlight>
-                <a:latin typeface="Söhne"/>
-              </a:rPr>
-              <a:t> in correctly identifying accidents from the test dataset.</a:t>
-            </a:r>
-          </a:p>
-          <a:p>
-            <a:pPr algn="l">
-              <a:lnSpc>
-                <a:spcPct val="150000"/>
-              </a:lnSpc>
-              <a:buFont typeface="Arial" panose="020B0604020202020204" pitchFamily="34" charset="0"/>
-              <a:buChar char="•"/>
-            </a:pPr>
-            <a:r>
-              <a:rPr lang="en-US" sz="1500" b="1" i="0" dirty="0">
-                <a:solidFill>
-                  <a:srgbClr val="0D0D0D"/>
-                </a:solidFill>
-                <a:effectLst/>
-                <a:highlight>
-                  <a:srgbClr val="FFFFFF"/>
-                </a:highlight>
-                <a:latin typeface="Söhne"/>
-              </a:rPr>
-              <a:t>Precision:</a:t>
-            </a:r>
-            <a:endParaRPr lang="en-US" sz="1500" b="0" i="0" dirty="0">
-              <a:solidFill>
-                <a:srgbClr val="0D0D0D"/>
-              </a:solidFill>
-              <a:effectLst/>
-              <a:highlight>
-                <a:srgbClr val="FFFFFF"/>
-              </a:highlight>
-              <a:latin typeface="Söhne"/>
-            </a:endParaRPr>
-          </a:p>
-          <a:p>
-            <a:pPr marL="742950" lvl="1" indent="-285750" algn="l">
-              <a:lnSpc>
-                <a:spcPct val="150000"/>
-              </a:lnSpc>
-              <a:buFont typeface="Arial" panose="020B0604020202020204" pitchFamily="34" charset="0"/>
-              <a:buChar char="•"/>
-            </a:pPr>
-            <a:r>
-              <a:rPr lang="en-US" sz="1500" b="0" i="0" dirty="0">
-                <a:solidFill>
-                  <a:srgbClr val="0D0D0D"/>
-                </a:solidFill>
-                <a:effectLst/>
-                <a:highlight>
-                  <a:srgbClr val="FFFFFF"/>
-                </a:highlight>
-                <a:latin typeface="Söhne"/>
-              </a:rPr>
-              <a:t>The precision of the system was measured at </a:t>
-            </a:r>
-            <a:r>
-              <a:rPr lang="en-US" sz="1500" b="1" i="0" dirty="0">
-                <a:solidFill>
-                  <a:srgbClr val="0D0D0D"/>
-                </a:solidFill>
-                <a:effectLst/>
-                <a:highlight>
-                  <a:srgbClr val="FFFFFF"/>
-                </a:highlight>
-                <a:latin typeface="Söhne"/>
-              </a:rPr>
-              <a:t>92%</a:t>
-            </a:r>
-            <a:r>
-              <a:rPr lang="en-US" sz="1500" b="0" i="0" dirty="0">
-                <a:solidFill>
-                  <a:srgbClr val="0D0D0D"/>
-                </a:solidFill>
-                <a:effectLst/>
-                <a:highlight>
-                  <a:srgbClr val="FFFFFF"/>
-                </a:highlight>
-                <a:latin typeface="Söhne"/>
-              </a:rPr>
-              <a:t>, indicating a high ratio of true positive detections to the total detections made by the system.</a:t>
-            </a:r>
-          </a:p>
-          <a:p>
-            <a:pPr algn="l">
-              <a:lnSpc>
-                <a:spcPct val="150000"/>
-              </a:lnSpc>
-              <a:buFont typeface="Arial" panose="020B0604020202020204" pitchFamily="34" charset="0"/>
-              <a:buChar char="•"/>
-            </a:pPr>
-            <a:r>
-              <a:rPr lang="en-US" sz="1500" b="1" i="0" dirty="0">
-                <a:solidFill>
-                  <a:srgbClr val="0D0D0D"/>
-                </a:solidFill>
-                <a:effectLst/>
-                <a:highlight>
-                  <a:srgbClr val="FFFFFF"/>
-                </a:highlight>
-                <a:latin typeface="Söhne"/>
-              </a:rPr>
-              <a:t>Recall (Sensitivity):</a:t>
-            </a:r>
-            <a:endParaRPr lang="en-US" sz="1500" b="0" i="0" dirty="0">
-              <a:solidFill>
-                <a:srgbClr val="0D0D0D"/>
-              </a:solidFill>
-              <a:effectLst/>
-              <a:highlight>
-                <a:srgbClr val="FFFFFF"/>
-              </a:highlight>
-              <a:latin typeface="Söhne"/>
-            </a:endParaRPr>
-          </a:p>
-          <a:p>
-            <a:pPr marL="742950" lvl="1" indent="-285750" algn="l">
-              <a:lnSpc>
-                <a:spcPct val="150000"/>
-              </a:lnSpc>
-              <a:buFont typeface="Arial" panose="020B0604020202020204" pitchFamily="34" charset="0"/>
-              <a:buChar char="•"/>
-            </a:pPr>
-            <a:r>
-              <a:rPr lang="en-US" sz="1500" b="0" i="0" dirty="0">
-                <a:solidFill>
-                  <a:srgbClr val="0D0D0D"/>
-                </a:solidFill>
-                <a:effectLst/>
-                <a:highlight>
-                  <a:srgbClr val="FFFFFF"/>
-                </a:highlight>
-                <a:latin typeface="Söhne"/>
-              </a:rPr>
-              <a:t>The recall or sensitivity of the system was </a:t>
-            </a:r>
-            <a:r>
-              <a:rPr lang="en-US" sz="1500" b="1" i="0" dirty="0">
-                <a:solidFill>
-                  <a:srgbClr val="0D0D0D"/>
-                </a:solidFill>
-                <a:effectLst/>
-                <a:highlight>
-                  <a:srgbClr val="FFFFFF"/>
-                </a:highlight>
-                <a:latin typeface="Söhne"/>
-              </a:rPr>
-              <a:t>96%</a:t>
-            </a:r>
-            <a:r>
-              <a:rPr lang="en-US" sz="1500" b="0" i="0" dirty="0">
-                <a:solidFill>
-                  <a:srgbClr val="0D0D0D"/>
-                </a:solidFill>
-                <a:effectLst/>
-                <a:highlight>
-                  <a:srgbClr val="FFFFFF"/>
-                </a:highlight>
-                <a:latin typeface="Söhne"/>
-              </a:rPr>
-              <a:t>, showing the system's ability to identify a high percentage of actual accidents among all the positive cases.</a:t>
-            </a:r>
-          </a:p>
-          <a:p>
-            <a:pPr marL="0" indent="0">
-              <a:buNone/>
-            </a:pPr>
-            <a:endParaRPr lang="en-IN" dirty="0"/>
           </a:p>
         </p:txBody>
       </p:sp>
     </p:spTree>
     <p:extLst>
       <p:ext uri="{BB962C8B-B14F-4D97-AF65-F5344CB8AC3E}">
-        <p14:creationId xmlns:p14="http://schemas.microsoft.com/office/powerpoint/2010/main" val="33702596"/>
+        <p14:creationId xmlns:p14="http://schemas.microsoft.com/office/powerpoint/2010/main" val="2284068856"/>
       </p:ext>
     </p:extLst>
   </p:cSld>
@@ -7004,258 +6808,70 @@
           <a:chExt cx="0" cy="0"/>
         </a:xfrm>
       </p:grpSpPr>
-      <p:sp>
-        <p:nvSpPr>
-          <p:cNvPr id="2" name="Title 1">
+      <p:pic>
+        <p:nvPicPr>
+          <p:cNvPr id="3" name="Picture 2">
             <a:extLst>
               <a:ext uri="{FF2B5EF4-FFF2-40B4-BE49-F238E27FC236}">
-                <a16:creationId xmlns:a16="http://schemas.microsoft.com/office/drawing/2014/main" id="{0F4624F9-7EE3-1958-81D6-0F4847DAB738}"/>
+                <a16:creationId xmlns:a16="http://schemas.microsoft.com/office/drawing/2014/main" id="{D4039F1F-D251-A66D-EE3E-E2D24F1052BF}"/>
               </a:ext>
             </a:extLst>
           </p:cNvPr>
-          <p:cNvSpPr>
-            <a:spLocks noGrp="1"/>
-          </p:cNvSpPr>
-          <p:nvPr>
-            <p:ph type="title"/>
-          </p:nvPr>
-        </p:nvSpPr>
-        <p:spPr/>
-        <p:txBody>
-          <a:bodyPr/>
-          <a:lstStyle/>
-          <a:p>
-            <a:r>
-              <a:rPr lang="en-IN" dirty="0"/>
-              <a:t>RESULTS AND SIMULATIONS</a:t>
-            </a:r>
-          </a:p>
-        </p:txBody>
-      </p:sp>
-      <p:sp>
-        <p:nvSpPr>
-          <p:cNvPr id="3" name="Content Placeholder 2">
+          <p:cNvPicPr>
+            <a:picLocks noChangeAspect="1"/>
+          </p:cNvPicPr>
+          <p:nvPr/>
+        </p:nvPicPr>
+        <p:blipFill>
+          <a:blip r:embed="rId2"/>
+          <a:stretch>
+            <a:fillRect/>
+          </a:stretch>
+        </p:blipFill>
+        <p:spPr>
+          <a:xfrm>
+            <a:off x="208941" y="685800"/>
+            <a:ext cx="8249259" cy="4876801"/>
+          </a:xfrm>
+          <a:prstGeom prst="rect">
+            <a:avLst/>
+          </a:prstGeom>
+        </p:spPr>
+      </p:pic>
+      <p:pic>
+        <p:nvPicPr>
+          <p:cNvPr id="5" name="Picture 4">
             <a:extLst>
               <a:ext uri="{FF2B5EF4-FFF2-40B4-BE49-F238E27FC236}">
-                <a16:creationId xmlns:a16="http://schemas.microsoft.com/office/drawing/2014/main" id="{99E00C79-0C25-602D-2DC9-24A78E63F717}"/>
+                <a16:creationId xmlns:a16="http://schemas.microsoft.com/office/drawing/2014/main" id="{5AD69381-5950-3E0F-CD8F-8E516C16834B}"/>
               </a:ext>
             </a:extLst>
           </p:cNvPr>
-          <p:cNvSpPr>
-            <a:spLocks noGrp="1"/>
-          </p:cNvSpPr>
-          <p:nvPr>
-            <p:ph sz="quarter" idx="1"/>
-          </p:nvPr>
-        </p:nvSpPr>
-        <p:spPr/>
-        <p:txBody>
-          <a:bodyPr>
-            <a:normAutofit/>
-          </a:bodyPr>
-          <a:lstStyle/>
-          <a:p>
-            <a:pPr marL="0" indent="0" algn="l">
-              <a:lnSpc>
-                <a:spcPct val="150000"/>
-              </a:lnSpc>
-              <a:buNone/>
-            </a:pPr>
-            <a:r>
-              <a:rPr lang="en-US" sz="1500" b="1" i="0" dirty="0">
-                <a:solidFill>
-                  <a:srgbClr val="0D0D0D"/>
-                </a:solidFill>
-                <a:effectLst/>
-                <a:highlight>
-                  <a:srgbClr val="FFFFFF"/>
-                </a:highlight>
-                <a:latin typeface="Söhne"/>
-              </a:rPr>
-              <a:t>Visuals:</a:t>
-            </a:r>
-            <a:endParaRPr lang="en-US" sz="1500" b="0" i="0" dirty="0">
-              <a:solidFill>
-                <a:srgbClr val="0D0D0D"/>
-              </a:solidFill>
-              <a:effectLst/>
-              <a:highlight>
-                <a:srgbClr val="FFFFFF"/>
-              </a:highlight>
-              <a:latin typeface="Söhne"/>
-            </a:endParaRPr>
-          </a:p>
-          <a:p>
-            <a:pPr algn="l">
-              <a:lnSpc>
-                <a:spcPct val="150000"/>
-              </a:lnSpc>
-              <a:buFont typeface="Arial" panose="020B0604020202020204" pitchFamily="34" charset="0"/>
-              <a:buChar char="•"/>
-            </a:pPr>
-            <a:r>
-              <a:rPr lang="en-US" sz="1500" b="1" i="0" dirty="0">
-                <a:solidFill>
-                  <a:srgbClr val="0D0D0D"/>
-                </a:solidFill>
-                <a:effectLst/>
-                <a:highlight>
-                  <a:srgbClr val="FFFFFF"/>
-                </a:highlight>
-                <a:latin typeface="Söhne"/>
-              </a:rPr>
-              <a:t>Graph 1: Accuracy, Precision, and Recall</a:t>
-            </a:r>
-            <a:endParaRPr lang="en-US" sz="1500" b="0" i="0" dirty="0">
-              <a:solidFill>
-                <a:srgbClr val="0D0D0D"/>
-              </a:solidFill>
-              <a:effectLst/>
-              <a:highlight>
-                <a:srgbClr val="FFFFFF"/>
-              </a:highlight>
-              <a:latin typeface="Söhne"/>
-            </a:endParaRPr>
-          </a:p>
-          <a:p>
-            <a:pPr marL="742950" lvl="1" indent="-285750" algn="l">
-              <a:lnSpc>
-                <a:spcPct val="150000"/>
-              </a:lnSpc>
-              <a:buFont typeface="Arial" panose="020B0604020202020204" pitchFamily="34" charset="0"/>
-              <a:buChar char="•"/>
-            </a:pPr>
-            <a:r>
-              <a:rPr lang="en-US" sz="1500" b="0" i="0" dirty="0">
-                <a:solidFill>
-                  <a:srgbClr val="0D0D0D"/>
-                </a:solidFill>
-                <a:effectLst/>
-                <a:highlight>
-                  <a:srgbClr val="FFFFFF"/>
-                </a:highlight>
-                <a:latin typeface="Söhne"/>
-              </a:rPr>
-              <a:t>A bar graph showcasing the accuracy, precision, and recall metrics to visually represent the performance of the CNN-based accident detection system.</a:t>
-            </a:r>
-          </a:p>
-          <a:p>
-            <a:pPr algn="l">
-              <a:lnSpc>
-                <a:spcPct val="150000"/>
-              </a:lnSpc>
-              <a:buFont typeface="Arial" panose="020B0604020202020204" pitchFamily="34" charset="0"/>
-              <a:buChar char="•"/>
-            </a:pPr>
-            <a:r>
-              <a:rPr lang="en-US" sz="1500" b="1" i="0" dirty="0">
-                <a:solidFill>
-                  <a:srgbClr val="0D0D0D"/>
-                </a:solidFill>
-                <a:effectLst/>
-                <a:highlight>
-                  <a:srgbClr val="FFFFFF"/>
-                </a:highlight>
-                <a:latin typeface="Söhne"/>
-              </a:rPr>
-              <a:t>Graph 2: Confusion Matrix</a:t>
-            </a:r>
-            <a:endParaRPr lang="en-US" sz="1500" b="0" i="0" dirty="0">
-              <a:solidFill>
-                <a:srgbClr val="0D0D0D"/>
-              </a:solidFill>
-              <a:effectLst/>
-              <a:highlight>
-                <a:srgbClr val="FFFFFF"/>
-              </a:highlight>
-              <a:latin typeface="Söhne"/>
-            </a:endParaRPr>
-          </a:p>
-          <a:p>
-            <a:pPr marL="742950" lvl="1" indent="-285750" algn="l">
-              <a:lnSpc>
-                <a:spcPct val="150000"/>
-              </a:lnSpc>
-              <a:buFont typeface="Arial" panose="020B0604020202020204" pitchFamily="34" charset="0"/>
-              <a:buChar char="•"/>
-            </a:pPr>
-            <a:r>
-              <a:rPr lang="en-US" sz="1500" b="0" i="0" dirty="0">
-                <a:solidFill>
-                  <a:srgbClr val="0D0D0D"/>
-                </a:solidFill>
-                <a:effectLst/>
-                <a:highlight>
-                  <a:srgbClr val="FFFFFF"/>
-                </a:highlight>
-                <a:latin typeface="Söhne"/>
-              </a:rPr>
-              <a:t>A confusion matrix or heatmap illustrating the true positives, true negatives, false positives, and false negatives to provide a detailed view of the system's classification results.</a:t>
-            </a:r>
-          </a:p>
-          <a:p>
-            <a:pPr algn="l">
-              <a:lnSpc>
-                <a:spcPct val="150000"/>
-              </a:lnSpc>
-              <a:buFont typeface="Arial" panose="020B0604020202020204" pitchFamily="34" charset="0"/>
-              <a:buChar char="•"/>
-            </a:pPr>
-            <a:r>
-              <a:rPr lang="en-US" sz="1500" b="1" i="0" dirty="0">
-                <a:solidFill>
-                  <a:srgbClr val="0D0D0D"/>
-                </a:solidFill>
-                <a:effectLst/>
-                <a:highlight>
-                  <a:srgbClr val="FFFFFF"/>
-                </a:highlight>
-                <a:latin typeface="Söhne"/>
-              </a:rPr>
-              <a:t>Simulation Screenshots:</a:t>
-            </a:r>
-            <a:endParaRPr lang="en-US" sz="1500" b="0" i="0" dirty="0">
-              <a:solidFill>
-                <a:srgbClr val="0D0D0D"/>
-              </a:solidFill>
-              <a:effectLst/>
-              <a:highlight>
-                <a:srgbClr val="FFFFFF"/>
-              </a:highlight>
-              <a:latin typeface="Söhne"/>
-            </a:endParaRPr>
-          </a:p>
-          <a:p>
-            <a:pPr marL="742950" lvl="1" indent="-285750" algn="l">
-              <a:lnSpc>
-                <a:spcPct val="150000"/>
-              </a:lnSpc>
-              <a:buFont typeface="Arial" panose="020B0604020202020204" pitchFamily="34" charset="0"/>
-              <a:buChar char="•"/>
-            </a:pPr>
-            <a:r>
-              <a:rPr lang="en-US" sz="1500" b="0" i="0" dirty="0">
-                <a:solidFill>
-                  <a:srgbClr val="0D0D0D"/>
-                </a:solidFill>
-                <a:effectLst/>
-                <a:highlight>
-                  <a:srgbClr val="FFFFFF"/>
-                </a:highlight>
-                <a:latin typeface="Söhne"/>
-              </a:rPr>
-              <a:t>Visual snapshots or clips from the simulation showing the CNN-based accident detection system in action, highlighting the detection of various types of accidents and its real-time alerting mechanism.</a:t>
-            </a:r>
-          </a:p>
-          <a:p>
-            <a:endParaRPr lang="en-IN" dirty="0"/>
-          </a:p>
-        </p:txBody>
-      </p:sp>
+          <p:cNvPicPr>
+            <a:picLocks noChangeAspect="1"/>
+          </p:cNvPicPr>
+          <p:nvPr/>
+        </p:nvPicPr>
+        <p:blipFill>
+          <a:blip r:embed="rId3"/>
+          <a:stretch>
+            <a:fillRect/>
+          </a:stretch>
+        </p:blipFill>
+        <p:spPr>
+          <a:xfrm>
+            <a:off x="4024236" y="5638800"/>
+            <a:ext cx="1095528" cy="228632"/>
+          </a:xfrm>
+          <a:prstGeom prst="rect">
+            <a:avLst/>
+          </a:prstGeom>
+        </p:spPr>
+      </p:pic>
     </p:spTree>
     <p:extLst>
       <p:ext uri="{BB962C8B-B14F-4D97-AF65-F5344CB8AC3E}">
-        <p14:creationId xmlns:p14="http://schemas.microsoft.com/office/powerpoint/2010/main" val="2853570188"/>
+        <p14:creationId xmlns:p14="http://schemas.microsoft.com/office/powerpoint/2010/main" val="2835706984"/>
       </p:ext>
     </p:extLst>
   </p:cSld>
@@ -7287,6 +6903,643 @@
           <p:cNvPr id="2" name="Title 1">
             <a:extLst>
               <a:ext uri="{FF2B5EF4-FFF2-40B4-BE49-F238E27FC236}">
+                <a16:creationId xmlns:a16="http://schemas.microsoft.com/office/drawing/2014/main" id="{C8E514C4-1C94-2D89-E3A1-A0EFF782AB23}"/>
+              </a:ext>
+            </a:extLst>
+          </p:cNvPr>
+          <p:cNvSpPr>
+            <a:spLocks noGrp="1"/>
+          </p:cNvSpPr>
+          <p:nvPr>
+            <p:ph type="title"/>
+          </p:nvPr>
+        </p:nvSpPr>
+        <p:spPr/>
+        <p:txBody>
+          <a:bodyPr/>
+          <a:lstStyle/>
+          <a:p>
+            <a:r>
+              <a:rPr lang="en-IN" dirty="0"/>
+              <a:t>RESULTS AND SIMULATIONS</a:t>
+            </a:r>
+          </a:p>
+        </p:txBody>
+      </p:sp>
+      <p:sp>
+        <p:nvSpPr>
+          <p:cNvPr id="3" name="Content Placeholder 2">
+            <a:extLst>
+              <a:ext uri="{FF2B5EF4-FFF2-40B4-BE49-F238E27FC236}">
+                <a16:creationId xmlns:a16="http://schemas.microsoft.com/office/drawing/2014/main" id="{09299A48-B25C-D9AF-D24B-5D469F206936}"/>
+              </a:ext>
+            </a:extLst>
+          </p:cNvPr>
+          <p:cNvSpPr>
+            <a:spLocks noGrp="1"/>
+          </p:cNvSpPr>
+          <p:nvPr>
+            <p:ph sz="quarter" idx="1"/>
+          </p:nvPr>
+        </p:nvSpPr>
+        <p:spPr/>
+        <p:txBody>
+          <a:bodyPr>
+            <a:normAutofit/>
+          </a:bodyPr>
+          <a:lstStyle/>
+          <a:p>
+            <a:pPr marL="0" indent="0" algn="l">
+              <a:lnSpc>
+                <a:spcPct val="150000"/>
+              </a:lnSpc>
+              <a:buNone/>
+            </a:pPr>
+            <a:r>
+              <a:rPr lang="en-US" sz="1500" b="1" i="0" dirty="0">
+                <a:solidFill>
+                  <a:srgbClr val="0D0D0D"/>
+                </a:solidFill>
+                <a:effectLst/>
+                <a:highlight>
+                  <a:srgbClr val="FFFFFF"/>
+                </a:highlight>
+                <a:latin typeface="Söhne"/>
+              </a:rPr>
+              <a:t>Performance Metrics:</a:t>
+            </a:r>
+            <a:endParaRPr lang="en-US" sz="1500" b="0" i="0" dirty="0">
+              <a:solidFill>
+                <a:srgbClr val="0D0D0D"/>
+              </a:solidFill>
+              <a:effectLst/>
+              <a:highlight>
+                <a:srgbClr val="FFFFFF"/>
+              </a:highlight>
+              <a:latin typeface="Söhne"/>
+            </a:endParaRPr>
+          </a:p>
+          <a:p>
+            <a:pPr algn="l">
+              <a:lnSpc>
+                <a:spcPct val="150000"/>
+              </a:lnSpc>
+              <a:buFont typeface="Arial" panose="020B0604020202020204" pitchFamily="34" charset="0"/>
+              <a:buChar char="•"/>
+            </a:pPr>
+            <a:r>
+              <a:rPr lang="en-US" sz="1500" b="1" i="0" dirty="0">
+                <a:solidFill>
+                  <a:srgbClr val="0D0D0D"/>
+                </a:solidFill>
+                <a:effectLst/>
+                <a:highlight>
+                  <a:srgbClr val="FFFFFF"/>
+                </a:highlight>
+                <a:latin typeface="Söhne"/>
+              </a:rPr>
+              <a:t>Accuracy:</a:t>
+            </a:r>
+            <a:endParaRPr lang="en-US" sz="1500" b="0" i="0" dirty="0">
+              <a:solidFill>
+                <a:srgbClr val="0D0D0D"/>
+              </a:solidFill>
+              <a:effectLst/>
+              <a:highlight>
+                <a:srgbClr val="FFFFFF"/>
+              </a:highlight>
+              <a:latin typeface="Söhne"/>
+            </a:endParaRPr>
+          </a:p>
+          <a:p>
+            <a:pPr marL="742950" lvl="1" indent="-285750" algn="l">
+              <a:lnSpc>
+                <a:spcPct val="150000"/>
+              </a:lnSpc>
+              <a:buFont typeface="Arial" panose="020B0604020202020204" pitchFamily="34" charset="0"/>
+              <a:buChar char="•"/>
+            </a:pPr>
+            <a:r>
+              <a:rPr lang="en-US" sz="1500" b="0" i="0" dirty="0">
+                <a:solidFill>
+                  <a:srgbClr val="0D0D0D"/>
+                </a:solidFill>
+                <a:effectLst/>
+                <a:highlight>
+                  <a:srgbClr val="FFFFFF"/>
+                </a:highlight>
+                <a:latin typeface="Söhne"/>
+              </a:rPr>
+              <a:t>Our CNN-based accident detection system achieved an accuracy of </a:t>
+            </a:r>
+            <a:r>
+              <a:rPr lang="en-US" sz="1500" b="1" i="0" dirty="0">
+                <a:solidFill>
+                  <a:srgbClr val="0D0D0D"/>
+                </a:solidFill>
+                <a:effectLst/>
+                <a:highlight>
+                  <a:srgbClr val="FFFFFF"/>
+                </a:highlight>
+                <a:latin typeface="Söhne"/>
+              </a:rPr>
+              <a:t>95%</a:t>
+            </a:r>
+            <a:r>
+              <a:rPr lang="en-US" sz="1500" b="0" i="0" dirty="0">
+                <a:solidFill>
+                  <a:srgbClr val="0D0D0D"/>
+                </a:solidFill>
+                <a:effectLst/>
+                <a:highlight>
+                  <a:srgbClr val="FFFFFF"/>
+                </a:highlight>
+                <a:latin typeface="Söhne"/>
+              </a:rPr>
+              <a:t> in correctly identifying accidents from the test dataset.</a:t>
+            </a:r>
+          </a:p>
+          <a:p>
+            <a:pPr algn="l">
+              <a:lnSpc>
+                <a:spcPct val="150000"/>
+              </a:lnSpc>
+              <a:buFont typeface="Arial" panose="020B0604020202020204" pitchFamily="34" charset="0"/>
+              <a:buChar char="•"/>
+            </a:pPr>
+            <a:r>
+              <a:rPr lang="en-US" sz="1500" b="1" i="0" dirty="0">
+                <a:solidFill>
+                  <a:srgbClr val="0D0D0D"/>
+                </a:solidFill>
+                <a:effectLst/>
+                <a:highlight>
+                  <a:srgbClr val="FFFFFF"/>
+                </a:highlight>
+                <a:latin typeface="Söhne"/>
+              </a:rPr>
+              <a:t>Precision:</a:t>
+            </a:r>
+            <a:endParaRPr lang="en-US" sz="1500" b="0" i="0" dirty="0">
+              <a:solidFill>
+                <a:srgbClr val="0D0D0D"/>
+              </a:solidFill>
+              <a:effectLst/>
+              <a:highlight>
+                <a:srgbClr val="FFFFFF"/>
+              </a:highlight>
+              <a:latin typeface="Söhne"/>
+            </a:endParaRPr>
+          </a:p>
+          <a:p>
+            <a:pPr marL="742950" lvl="1" indent="-285750" algn="l">
+              <a:lnSpc>
+                <a:spcPct val="150000"/>
+              </a:lnSpc>
+              <a:buFont typeface="Arial" panose="020B0604020202020204" pitchFamily="34" charset="0"/>
+              <a:buChar char="•"/>
+            </a:pPr>
+            <a:r>
+              <a:rPr lang="en-US" sz="1500" b="0" i="0" dirty="0">
+                <a:solidFill>
+                  <a:srgbClr val="0D0D0D"/>
+                </a:solidFill>
+                <a:effectLst/>
+                <a:highlight>
+                  <a:srgbClr val="FFFFFF"/>
+                </a:highlight>
+                <a:latin typeface="Söhne"/>
+              </a:rPr>
+              <a:t>The precision of the system was measured at </a:t>
+            </a:r>
+            <a:r>
+              <a:rPr lang="en-US" sz="1500" b="1" i="0" dirty="0">
+                <a:solidFill>
+                  <a:srgbClr val="0D0D0D"/>
+                </a:solidFill>
+                <a:effectLst/>
+                <a:highlight>
+                  <a:srgbClr val="FFFFFF"/>
+                </a:highlight>
+                <a:latin typeface="Söhne"/>
+              </a:rPr>
+              <a:t>92%</a:t>
+            </a:r>
+            <a:r>
+              <a:rPr lang="en-US" sz="1500" b="0" i="0" dirty="0">
+                <a:solidFill>
+                  <a:srgbClr val="0D0D0D"/>
+                </a:solidFill>
+                <a:effectLst/>
+                <a:highlight>
+                  <a:srgbClr val="FFFFFF"/>
+                </a:highlight>
+                <a:latin typeface="Söhne"/>
+              </a:rPr>
+              <a:t>, indicating a high ratio of true positive detections to the total detections made by the system.</a:t>
+            </a:r>
+          </a:p>
+          <a:p>
+            <a:pPr algn="l">
+              <a:lnSpc>
+                <a:spcPct val="150000"/>
+              </a:lnSpc>
+              <a:buFont typeface="Arial" panose="020B0604020202020204" pitchFamily="34" charset="0"/>
+              <a:buChar char="•"/>
+            </a:pPr>
+            <a:r>
+              <a:rPr lang="en-US" sz="1500" b="1" i="0" dirty="0">
+                <a:solidFill>
+                  <a:srgbClr val="0D0D0D"/>
+                </a:solidFill>
+                <a:effectLst/>
+                <a:highlight>
+                  <a:srgbClr val="FFFFFF"/>
+                </a:highlight>
+                <a:latin typeface="Söhne"/>
+              </a:rPr>
+              <a:t>Recall (Sensitivity):</a:t>
+            </a:r>
+            <a:endParaRPr lang="en-US" sz="1500" b="0" i="0" dirty="0">
+              <a:solidFill>
+                <a:srgbClr val="0D0D0D"/>
+              </a:solidFill>
+              <a:effectLst/>
+              <a:highlight>
+                <a:srgbClr val="FFFFFF"/>
+              </a:highlight>
+              <a:latin typeface="Söhne"/>
+            </a:endParaRPr>
+          </a:p>
+          <a:p>
+            <a:pPr marL="742950" lvl="1" indent="-285750" algn="l">
+              <a:lnSpc>
+                <a:spcPct val="150000"/>
+              </a:lnSpc>
+              <a:buFont typeface="Arial" panose="020B0604020202020204" pitchFamily="34" charset="0"/>
+              <a:buChar char="•"/>
+            </a:pPr>
+            <a:r>
+              <a:rPr lang="en-US" sz="1500" b="0" i="0" dirty="0">
+                <a:solidFill>
+                  <a:srgbClr val="0D0D0D"/>
+                </a:solidFill>
+                <a:effectLst/>
+                <a:highlight>
+                  <a:srgbClr val="FFFFFF"/>
+                </a:highlight>
+                <a:latin typeface="Söhne"/>
+              </a:rPr>
+              <a:t>The recall or sensitivity of the system was </a:t>
+            </a:r>
+            <a:r>
+              <a:rPr lang="en-US" sz="1500" b="1" i="0" dirty="0">
+                <a:solidFill>
+                  <a:srgbClr val="0D0D0D"/>
+                </a:solidFill>
+                <a:effectLst/>
+                <a:highlight>
+                  <a:srgbClr val="FFFFFF"/>
+                </a:highlight>
+                <a:latin typeface="Söhne"/>
+              </a:rPr>
+              <a:t>96%</a:t>
+            </a:r>
+            <a:r>
+              <a:rPr lang="en-US" sz="1500" b="0" i="0" dirty="0">
+                <a:solidFill>
+                  <a:srgbClr val="0D0D0D"/>
+                </a:solidFill>
+                <a:effectLst/>
+                <a:highlight>
+                  <a:srgbClr val="FFFFFF"/>
+                </a:highlight>
+                <a:latin typeface="Söhne"/>
+              </a:rPr>
+              <a:t>, showing the system's ability to identify a high percentage of actual accidents among all the positive cases.</a:t>
+            </a:r>
+          </a:p>
+          <a:p>
+            <a:pPr marL="0" indent="0">
+              <a:buNone/>
+            </a:pPr>
+            <a:endParaRPr lang="en-IN" dirty="0"/>
+          </a:p>
+        </p:txBody>
+      </p:sp>
+    </p:spTree>
+    <p:extLst>
+      <p:ext uri="{BB962C8B-B14F-4D97-AF65-F5344CB8AC3E}">
+        <p14:creationId xmlns:p14="http://schemas.microsoft.com/office/powerpoint/2010/main" val="33702596"/>
+      </p:ext>
+    </p:extLst>
+  </p:cSld>
+  <p:clrMapOvr>
+    <a:masterClrMapping/>
+  </p:clrMapOvr>
+</p:sld>
+</file>
+
+<file path=ppt/slides/slide18.xml><?xml version="1.0" encoding="utf-8"?>
+<p:sld xmlns:a="http://schemas.openxmlformats.org/drawingml/2006/main" xmlns:r="http://schemas.openxmlformats.org/officeDocument/2006/relationships" xmlns:p="http://schemas.openxmlformats.org/presentationml/2006/main">
+  <p:cSld>
+    <p:spTree>
+      <p:nvGrpSpPr>
+        <p:cNvPr id="1" name=""/>
+        <p:cNvGrpSpPr/>
+        <p:nvPr/>
+      </p:nvGrpSpPr>
+      <p:grpSpPr>
+        <a:xfrm>
+          <a:off x="0" y="0"/>
+          <a:ext cx="0" cy="0"/>
+          <a:chOff x="0" y="0"/>
+          <a:chExt cx="0" cy="0"/>
+        </a:xfrm>
+      </p:grpSpPr>
+      <p:sp>
+        <p:nvSpPr>
+          <p:cNvPr id="2" name="Title 1">
+            <a:extLst>
+              <a:ext uri="{FF2B5EF4-FFF2-40B4-BE49-F238E27FC236}">
+                <a16:creationId xmlns:a16="http://schemas.microsoft.com/office/drawing/2014/main" id="{0F4624F9-7EE3-1958-81D6-0F4847DAB738}"/>
+              </a:ext>
+            </a:extLst>
+          </p:cNvPr>
+          <p:cNvSpPr>
+            <a:spLocks noGrp="1"/>
+          </p:cNvSpPr>
+          <p:nvPr>
+            <p:ph type="title"/>
+          </p:nvPr>
+        </p:nvSpPr>
+        <p:spPr/>
+        <p:txBody>
+          <a:bodyPr/>
+          <a:lstStyle/>
+          <a:p>
+            <a:r>
+              <a:rPr lang="en-IN" dirty="0"/>
+              <a:t>RESULTS AND SIMULATIONS</a:t>
+            </a:r>
+          </a:p>
+        </p:txBody>
+      </p:sp>
+      <p:sp>
+        <p:nvSpPr>
+          <p:cNvPr id="3" name="Content Placeholder 2">
+            <a:extLst>
+              <a:ext uri="{FF2B5EF4-FFF2-40B4-BE49-F238E27FC236}">
+                <a16:creationId xmlns:a16="http://schemas.microsoft.com/office/drawing/2014/main" id="{99E00C79-0C25-602D-2DC9-24A78E63F717}"/>
+              </a:ext>
+            </a:extLst>
+          </p:cNvPr>
+          <p:cNvSpPr>
+            <a:spLocks noGrp="1"/>
+          </p:cNvSpPr>
+          <p:nvPr>
+            <p:ph sz="quarter" idx="1"/>
+          </p:nvPr>
+        </p:nvSpPr>
+        <p:spPr/>
+        <p:txBody>
+          <a:bodyPr>
+            <a:normAutofit/>
+          </a:bodyPr>
+          <a:lstStyle/>
+          <a:p>
+            <a:pPr marL="0" indent="0" algn="l">
+              <a:lnSpc>
+                <a:spcPct val="150000"/>
+              </a:lnSpc>
+              <a:buNone/>
+            </a:pPr>
+            <a:r>
+              <a:rPr lang="en-US" sz="1500" b="1" i="0" dirty="0">
+                <a:solidFill>
+                  <a:srgbClr val="0D0D0D"/>
+                </a:solidFill>
+                <a:effectLst/>
+                <a:highlight>
+                  <a:srgbClr val="FFFFFF"/>
+                </a:highlight>
+                <a:latin typeface="Söhne"/>
+              </a:rPr>
+              <a:t>Visuals:</a:t>
+            </a:r>
+            <a:endParaRPr lang="en-US" sz="1500" b="0" i="0" dirty="0">
+              <a:solidFill>
+                <a:srgbClr val="0D0D0D"/>
+              </a:solidFill>
+              <a:effectLst/>
+              <a:highlight>
+                <a:srgbClr val="FFFFFF"/>
+              </a:highlight>
+              <a:latin typeface="Söhne"/>
+            </a:endParaRPr>
+          </a:p>
+          <a:p>
+            <a:pPr algn="l">
+              <a:lnSpc>
+                <a:spcPct val="150000"/>
+              </a:lnSpc>
+              <a:buFont typeface="Arial" panose="020B0604020202020204" pitchFamily="34" charset="0"/>
+              <a:buChar char="•"/>
+            </a:pPr>
+            <a:r>
+              <a:rPr lang="en-US" sz="1500" b="1" i="0" dirty="0">
+                <a:solidFill>
+                  <a:srgbClr val="0D0D0D"/>
+                </a:solidFill>
+                <a:effectLst/>
+                <a:highlight>
+                  <a:srgbClr val="FFFFFF"/>
+                </a:highlight>
+                <a:latin typeface="Söhne"/>
+              </a:rPr>
+              <a:t>Graph 1: Accuracy, Precision, and Recall</a:t>
+            </a:r>
+            <a:endParaRPr lang="en-US" sz="1500" b="0" i="0" dirty="0">
+              <a:solidFill>
+                <a:srgbClr val="0D0D0D"/>
+              </a:solidFill>
+              <a:effectLst/>
+              <a:highlight>
+                <a:srgbClr val="FFFFFF"/>
+              </a:highlight>
+              <a:latin typeface="Söhne"/>
+            </a:endParaRPr>
+          </a:p>
+          <a:p>
+            <a:pPr marL="742950" lvl="1" indent="-285750" algn="l">
+              <a:lnSpc>
+                <a:spcPct val="150000"/>
+              </a:lnSpc>
+              <a:buFont typeface="Arial" panose="020B0604020202020204" pitchFamily="34" charset="0"/>
+              <a:buChar char="•"/>
+            </a:pPr>
+            <a:r>
+              <a:rPr lang="en-US" sz="1500" b="0" i="0" dirty="0">
+                <a:solidFill>
+                  <a:srgbClr val="0D0D0D"/>
+                </a:solidFill>
+                <a:effectLst/>
+                <a:highlight>
+                  <a:srgbClr val="FFFFFF"/>
+                </a:highlight>
+                <a:latin typeface="Söhne"/>
+              </a:rPr>
+              <a:t>A bar graph showcasing the accuracy, precision, and recall metrics to visually represent the performance of the CNN-based accident detection system.</a:t>
+            </a:r>
+          </a:p>
+          <a:p>
+            <a:pPr algn="l">
+              <a:lnSpc>
+                <a:spcPct val="150000"/>
+              </a:lnSpc>
+              <a:buFont typeface="Arial" panose="020B0604020202020204" pitchFamily="34" charset="0"/>
+              <a:buChar char="•"/>
+            </a:pPr>
+            <a:r>
+              <a:rPr lang="en-US" sz="1500" b="1" i="0" dirty="0">
+                <a:solidFill>
+                  <a:srgbClr val="0D0D0D"/>
+                </a:solidFill>
+                <a:effectLst/>
+                <a:highlight>
+                  <a:srgbClr val="FFFFFF"/>
+                </a:highlight>
+                <a:latin typeface="Söhne"/>
+              </a:rPr>
+              <a:t>Graph 2: Confusion Matrix</a:t>
+            </a:r>
+            <a:endParaRPr lang="en-US" sz="1500" b="0" i="0" dirty="0">
+              <a:solidFill>
+                <a:srgbClr val="0D0D0D"/>
+              </a:solidFill>
+              <a:effectLst/>
+              <a:highlight>
+                <a:srgbClr val="FFFFFF"/>
+              </a:highlight>
+              <a:latin typeface="Söhne"/>
+            </a:endParaRPr>
+          </a:p>
+          <a:p>
+            <a:pPr marL="742950" lvl="1" indent="-285750" algn="l">
+              <a:lnSpc>
+                <a:spcPct val="150000"/>
+              </a:lnSpc>
+              <a:buFont typeface="Arial" panose="020B0604020202020204" pitchFamily="34" charset="0"/>
+              <a:buChar char="•"/>
+            </a:pPr>
+            <a:r>
+              <a:rPr lang="en-US" sz="1500" b="0" i="0" dirty="0">
+                <a:solidFill>
+                  <a:srgbClr val="0D0D0D"/>
+                </a:solidFill>
+                <a:effectLst/>
+                <a:highlight>
+                  <a:srgbClr val="FFFFFF"/>
+                </a:highlight>
+                <a:latin typeface="Söhne"/>
+              </a:rPr>
+              <a:t>A confusion matrix or heatmap illustrating the true positives, true negatives, false positives, and false negatives to provide a detailed view of the system's classification results.</a:t>
+            </a:r>
+          </a:p>
+          <a:p>
+            <a:pPr algn="l">
+              <a:lnSpc>
+                <a:spcPct val="150000"/>
+              </a:lnSpc>
+              <a:buFont typeface="Arial" panose="020B0604020202020204" pitchFamily="34" charset="0"/>
+              <a:buChar char="•"/>
+            </a:pPr>
+            <a:r>
+              <a:rPr lang="en-US" sz="1500" b="1" i="0" dirty="0">
+                <a:solidFill>
+                  <a:srgbClr val="0D0D0D"/>
+                </a:solidFill>
+                <a:effectLst/>
+                <a:highlight>
+                  <a:srgbClr val="FFFFFF"/>
+                </a:highlight>
+                <a:latin typeface="Söhne"/>
+              </a:rPr>
+              <a:t>Simulation Screenshots:</a:t>
+            </a:r>
+            <a:endParaRPr lang="en-US" sz="1500" b="0" i="0" dirty="0">
+              <a:solidFill>
+                <a:srgbClr val="0D0D0D"/>
+              </a:solidFill>
+              <a:effectLst/>
+              <a:highlight>
+                <a:srgbClr val="FFFFFF"/>
+              </a:highlight>
+              <a:latin typeface="Söhne"/>
+            </a:endParaRPr>
+          </a:p>
+          <a:p>
+            <a:pPr marL="742950" lvl="1" indent="-285750" algn="l">
+              <a:lnSpc>
+                <a:spcPct val="150000"/>
+              </a:lnSpc>
+              <a:buFont typeface="Arial" panose="020B0604020202020204" pitchFamily="34" charset="0"/>
+              <a:buChar char="•"/>
+            </a:pPr>
+            <a:r>
+              <a:rPr lang="en-US" sz="1500" b="0" i="0" dirty="0">
+                <a:solidFill>
+                  <a:srgbClr val="0D0D0D"/>
+                </a:solidFill>
+                <a:effectLst/>
+                <a:highlight>
+                  <a:srgbClr val="FFFFFF"/>
+                </a:highlight>
+                <a:latin typeface="Söhne"/>
+              </a:rPr>
+              <a:t>Visual snapshots or clips from the simulation showing the CNN-based accident detection system in action, highlighting the detection of various types of accidents and its real-time alerting mechanism.</a:t>
+            </a:r>
+          </a:p>
+          <a:p>
+            <a:endParaRPr lang="en-IN" dirty="0"/>
+          </a:p>
+        </p:txBody>
+      </p:sp>
+    </p:spTree>
+    <p:extLst>
+      <p:ext uri="{BB962C8B-B14F-4D97-AF65-F5344CB8AC3E}">
+        <p14:creationId xmlns:p14="http://schemas.microsoft.com/office/powerpoint/2010/main" val="2853570188"/>
+      </p:ext>
+    </p:extLst>
+  </p:cSld>
+  <p:clrMapOvr>
+    <a:masterClrMapping/>
+  </p:clrMapOvr>
+</p:sld>
+</file>
+
+<file path=ppt/slides/slide19.xml><?xml version="1.0" encoding="utf-8"?>
+<p:sld xmlns:a="http://schemas.openxmlformats.org/drawingml/2006/main" xmlns:r="http://schemas.openxmlformats.org/officeDocument/2006/relationships" xmlns:p="http://schemas.openxmlformats.org/presentationml/2006/main">
+  <p:cSld>
+    <p:spTree>
+      <p:nvGrpSpPr>
+        <p:cNvPr id="1" name=""/>
+        <p:cNvGrpSpPr/>
+        <p:nvPr/>
+      </p:nvGrpSpPr>
+      <p:grpSpPr>
+        <a:xfrm>
+          <a:off x="0" y="0"/>
+          <a:ext cx="0" cy="0"/>
+          <a:chOff x="0" y="0"/>
+          <a:chExt cx="0" cy="0"/>
+        </a:xfrm>
+      </p:grpSpPr>
+      <p:sp>
+        <p:nvSpPr>
+          <p:cNvPr id="2" name="Title 1">
+            <a:extLst>
+              <a:ext uri="{FF2B5EF4-FFF2-40B4-BE49-F238E27FC236}">
                 <a16:creationId xmlns:a16="http://schemas.microsoft.com/office/drawing/2014/main" id="{B6FB0966-0A32-D4EC-645F-2742B9495D20}"/>
               </a:ext>
             </a:extLst>
@@ -7542,7 +7795,231 @@
 </p:sld>
 </file>
 
-<file path=ppt/slides/slide18.xml><?xml version="1.0" encoding="utf-8"?>
+<file path=ppt/slides/slide2.xml><?xml version="1.0" encoding="utf-8"?>
+<p:sld xmlns:a="http://schemas.openxmlformats.org/drawingml/2006/main" xmlns:r="http://schemas.openxmlformats.org/officeDocument/2006/relationships" xmlns:p="http://schemas.openxmlformats.org/presentationml/2006/main">
+  <p:cSld>
+    <p:spTree>
+      <p:nvGrpSpPr>
+        <p:cNvPr id="1" name=""/>
+        <p:cNvGrpSpPr/>
+        <p:nvPr/>
+      </p:nvGrpSpPr>
+      <p:grpSpPr>
+        <a:xfrm>
+          <a:off x="0" y="0"/>
+          <a:ext cx="0" cy="0"/>
+          <a:chOff x="0" y="0"/>
+          <a:chExt cx="0" cy="0"/>
+        </a:xfrm>
+      </p:grpSpPr>
+      <p:sp>
+        <p:nvSpPr>
+          <p:cNvPr id="2" name="Title 1">
+            <a:extLst>
+              <a:ext uri="{FF2B5EF4-FFF2-40B4-BE49-F238E27FC236}">
+                <a16:creationId xmlns:a16="http://schemas.microsoft.com/office/drawing/2014/main" id="{097341F1-1716-2F5E-900D-0FA8C71842B7}"/>
+              </a:ext>
+            </a:extLst>
+          </p:cNvPr>
+          <p:cNvSpPr>
+            <a:spLocks noGrp="1"/>
+          </p:cNvSpPr>
+          <p:nvPr>
+            <p:ph type="title"/>
+          </p:nvPr>
+        </p:nvSpPr>
+        <p:spPr/>
+        <p:txBody>
+          <a:bodyPr/>
+          <a:lstStyle/>
+          <a:p>
+            <a:r>
+              <a:rPr lang="en-IN" dirty="0"/>
+              <a:t>ROLES &amp; RESPONSIBILITIES</a:t>
+            </a:r>
+          </a:p>
+        </p:txBody>
+      </p:sp>
+      <p:sp>
+        <p:nvSpPr>
+          <p:cNvPr id="3" name="Content Placeholder 2">
+            <a:extLst>
+              <a:ext uri="{FF2B5EF4-FFF2-40B4-BE49-F238E27FC236}">
+                <a16:creationId xmlns:a16="http://schemas.microsoft.com/office/drawing/2014/main" id="{C35909E0-EBFE-6BDC-337F-EF0110160A6F}"/>
+              </a:ext>
+            </a:extLst>
+          </p:cNvPr>
+          <p:cNvSpPr>
+            <a:spLocks noGrp="1"/>
+          </p:cNvSpPr>
+          <p:nvPr>
+            <p:ph sz="quarter" idx="1"/>
+          </p:nvPr>
+        </p:nvSpPr>
+        <p:spPr/>
+        <p:txBody>
+          <a:bodyPr/>
+          <a:lstStyle/>
+          <a:p>
+            <a:pPr marL="0" indent="0">
+              <a:buNone/>
+            </a:pPr>
+            <a:endParaRPr lang="en-IN" dirty="0"/>
+          </a:p>
+          <a:p>
+            <a:pPr marL="0" indent="0">
+              <a:buNone/>
+            </a:pPr>
+            <a:r>
+              <a:rPr lang="en-IN" sz="1800" b="1" dirty="0"/>
+              <a:t>SAVANTH REDDY</a:t>
+            </a:r>
+          </a:p>
+          <a:p>
+            <a:pPr marL="0" indent="0">
+              <a:buNone/>
+            </a:pPr>
+            <a:endParaRPr lang="en-IN" sz="1800" dirty="0"/>
+          </a:p>
+          <a:p>
+            <a:r>
+              <a:rPr lang="en-IN" sz="1800" b="1" dirty="0"/>
+              <a:t>ROLE: </a:t>
+            </a:r>
+            <a:r>
+              <a:rPr lang="en-IN" sz="1800" dirty="0"/>
+              <a:t>PROJECT LEADER</a:t>
+            </a:r>
+          </a:p>
+          <a:p>
+            <a:endParaRPr lang="en-IN" sz="1800" b="1" dirty="0"/>
+          </a:p>
+          <a:p>
+            <a:r>
+              <a:rPr lang="en-IN" sz="1800" b="1" dirty="0"/>
+              <a:t>RESPONSIBILITIES:</a:t>
+            </a:r>
+          </a:p>
+          <a:p>
+            <a:pPr algn="l">
+              <a:buFont typeface="Arial" panose="020B0604020202020204" pitchFamily="34" charset="0"/>
+              <a:buChar char="•"/>
+            </a:pPr>
+            <a:endParaRPr lang="en-US" sz="1400" b="0" i="0" dirty="0">
+              <a:solidFill>
+                <a:srgbClr val="0D0D0D"/>
+              </a:solidFill>
+              <a:effectLst/>
+              <a:highlight>
+                <a:srgbClr val="FFFFFF"/>
+              </a:highlight>
+              <a:latin typeface="Söhne"/>
+            </a:endParaRPr>
+          </a:p>
+          <a:p>
+            <a:pPr algn="l">
+              <a:buFont typeface="Arial" panose="020B0604020202020204" pitchFamily="34" charset="0"/>
+              <a:buChar char="•"/>
+            </a:pPr>
+            <a:r>
+              <a:rPr lang="en-US" sz="1400" b="0" i="0" dirty="0">
+                <a:solidFill>
+                  <a:srgbClr val="0D0D0D"/>
+                </a:solidFill>
+                <a:effectLst/>
+                <a:highlight>
+                  <a:srgbClr val="FFFFFF"/>
+                </a:highlight>
+                <a:latin typeface="Söhne"/>
+              </a:rPr>
+              <a:t>Overall project coordination and management.</a:t>
+            </a:r>
+          </a:p>
+          <a:p>
+            <a:pPr algn="l">
+              <a:buFont typeface="Arial" panose="020B0604020202020204" pitchFamily="34" charset="0"/>
+              <a:buChar char="•"/>
+            </a:pPr>
+            <a:r>
+              <a:rPr lang="en-US" sz="1400" b="0" i="0" dirty="0">
+                <a:solidFill>
+                  <a:srgbClr val="0D0D0D"/>
+                </a:solidFill>
+                <a:effectLst/>
+                <a:highlight>
+                  <a:srgbClr val="FFFFFF"/>
+                </a:highlight>
+                <a:latin typeface="Söhne"/>
+              </a:rPr>
+              <a:t>Conducting research on CNN architectures suitable for accident detection.</a:t>
+            </a:r>
+          </a:p>
+          <a:p>
+            <a:pPr algn="l">
+              <a:buFont typeface="Arial" panose="020B0604020202020204" pitchFamily="34" charset="0"/>
+              <a:buChar char="•"/>
+            </a:pPr>
+            <a:r>
+              <a:rPr lang="en-US" sz="1400" b="0" i="0" dirty="0">
+                <a:solidFill>
+                  <a:srgbClr val="0D0D0D"/>
+                </a:solidFill>
+                <a:effectLst/>
+                <a:highlight>
+                  <a:srgbClr val="FFFFFF"/>
+                </a:highlight>
+                <a:latin typeface="Söhne"/>
+              </a:rPr>
+              <a:t>Overseeing the project timeline and ensuring deadlines are met.</a:t>
+            </a:r>
+          </a:p>
+          <a:p>
+            <a:pPr algn="l">
+              <a:buFont typeface="Arial" panose="020B0604020202020204" pitchFamily="34" charset="0"/>
+              <a:buChar char="•"/>
+            </a:pPr>
+            <a:r>
+              <a:rPr lang="en-US" sz="1400" b="0" i="0" dirty="0">
+                <a:solidFill>
+                  <a:srgbClr val="0D0D0D"/>
+                </a:solidFill>
+                <a:effectLst/>
+                <a:highlight>
+                  <a:srgbClr val="FFFFFF"/>
+                </a:highlight>
+                <a:latin typeface="Söhne"/>
+              </a:rPr>
+              <a:t>Collaborating with team members to integrate individual contributions.</a:t>
+            </a:r>
+          </a:p>
+          <a:p>
+            <a:pPr marL="0" indent="0">
+              <a:buNone/>
+            </a:pPr>
+            <a:endParaRPr lang="en-IN" sz="1800" b="1" dirty="0"/>
+          </a:p>
+          <a:p>
+            <a:pPr marL="0" indent="0">
+              <a:buNone/>
+            </a:pPr>
+            <a:endParaRPr lang="en-IN" sz="1800" b="1" dirty="0"/>
+          </a:p>
+        </p:txBody>
+      </p:sp>
+    </p:spTree>
+    <p:extLst>
+      <p:ext uri="{BB962C8B-B14F-4D97-AF65-F5344CB8AC3E}">
+        <p14:creationId xmlns:p14="http://schemas.microsoft.com/office/powerpoint/2010/main" val="2332072712"/>
+      </p:ext>
+    </p:extLst>
+  </p:cSld>
+  <p:clrMapOvr>
+    <a:masterClrMapping/>
+  </p:clrMapOvr>
+</p:sld>
+</file>
+
+<file path=ppt/slides/slide20.xml><?xml version="1.0" encoding="utf-8"?>
 <p:sld xmlns:a="http://schemas.openxmlformats.org/drawingml/2006/main" xmlns:r="http://schemas.openxmlformats.org/officeDocument/2006/relationships" xmlns:p="http://schemas.openxmlformats.org/presentationml/2006/main">
   <p:cSld>
     <p:spTree>
@@ -7626,7 +8103,7 @@
 </p:sld>
 </file>
 
-<file path=ppt/slides/slide19.xml><?xml version="1.0" encoding="utf-8"?>
+<file path=ppt/slides/slide21.xml><?xml version="1.0" encoding="utf-8"?>
 <p:sld xmlns:a="http://schemas.openxmlformats.org/drawingml/2006/main" xmlns:r="http://schemas.openxmlformats.org/officeDocument/2006/relationships" xmlns:p="http://schemas.openxmlformats.org/presentationml/2006/main">
   <p:cSld>
     <p:spTree>
@@ -7710,7 +8187,7 @@
 </p:sld>
 </file>
 
-<file path=ppt/slides/slide2.xml><?xml version="1.0" encoding="utf-8"?>
+<file path=ppt/slides/slide22.xml><?xml version="1.0" encoding="utf-8"?>
 <p:sld xmlns:a="http://schemas.openxmlformats.org/drawingml/2006/main" xmlns:r="http://schemas.openxmlformats.org/officeDocument/2006/relationships" xmlns:p="http://schemas.openxmlformats.org/presentationml/2006/main">
   <p:cSld>
     <p:spTree>
@@ -7727,204 +8204,70 @@
           <a:chExt cx="0" cy="0"/>
         </a:xfrm>
       </p:grpSpPr>
-      <p:sp>
-        <p:nvSpPr>
-          <p:cNvPr id="2" name="Title 1">
+      <p:pic>
+        <p:nvPicPr>
+          <p:cNvPr id="2" name="Picture 1">
             <a:extLst>
               <a:ext uri="{FF2B5EF4-FFF2-40B4-BE49-F238E27FC236}">
-                <a16:creationId xmlns:a16="http://schemas.microsoft.com/office/drawing/2014/main" id="{097341F1-1716-2F5E-900D-0FA8C71842B7}"/>
+                <a16:creationId xmlns:a16="http://schemas.microsoft.com/office/drawing/2014/main" id="{D8455F1A-210C-3E0C-3B9B-7B23C8DDBD74}"/>
               </a:ext>
             </a:extLst>
           </p:cNvPr>
-          <p:cNvSpPr>
-            <a:spLocks noGrp="1"/>
-          </p:cNvSpPr>
-          <p:nvPr>
-            <p:ph type="title"/>
-          </p:nvPr>
-        </p:nvSpPr>
-        <p:spPr/>
-        <p:txBody>
-          <a:bodyPr/>
-          <a:lstStyle/>
-          <a:p>
-            <a:r>
-              <a:rPr lang="en-IN" dirty="0"/>
-              <a:t>ROLES &amp; RESPONSIBILITIES</a:t>
-            </a:r>
-          </a:p>
-        </p:txBody>
-      </p:sp>
-      <p:sp>
-        <p:nvSpPr>
-          <p:cNvPr id="3" name="Content Placeholder 2">
+          <p:cNvPicPr>
+            <a:picLocks noChangeAspect="1"/>
+          </p:cNvPicPr>
+          <p:nvPr/>
+        </p:nvPicPr>
+        <p:blipFill>
+          <a:blip r:embed="rId2"/>
+          <a:stretch>
+            <a:fillRect/>
+          </a:stretch>
+        </p:blipFill>
+        <p:spPr>
+          <a:xfrm>
+            <a:off x="1295400" y="533400"/>
+            <a:ext cx="5731510" cy="2533015"/>
+          </a:xfrm>
+          <a:prstGeom prst="rect">
+            <a:avLst/>
+          </a:prstGeom>
+        </p:spPr>
+      </p:pic>
+      <p:pic>
+        <p:nvPicPr>
+          <p:cNvPr id="3" name="Picture 2">
             <a:extLst>
               <a:ext uri="{FF2B5EF4-FFF2-40B4-BE49-F238E27FC236}">
-                <a16:creationId xmlns:a16="http://schemas.microsoft.com/office/drawing/2014/main" id="{C35909E0-EBFE-6BDC-337F-EF0110160A6F}"/>
+                <a16:creationId xmlns:a16="http://schemas.microsoft.com/office/drawing/2014/main" id="{758ECB3E-3C30-DCE6-357E-C617E3044584}"/>
               </a:ext>
             </a:extLst>
           </p:cNvPr>
-          <p:cNvSpPr>
-            <a:spLocks noGrp="1"/>
-          </p:cNvSpPr>
-          <p:nvPr>
-            <p:ph sz="quarter" idx="1"/>
-          </p:nvPr>
-        </p:nvSpPr>
-        <p:spPr/>
-        <p:txBody>
-          <a:bodyPr/>
-          <a:lstStyle/>
-          <a:p>
-            <a:pPr marL="0" indent="0">
-              <a:buNone/>
-            </a:pPr>
-            <a:endParaRPr lang="en-IN" dirty="0"/>
-          </a:p>
-          <a:p>
-            <a:pPr marL="0" indent="0">
-              <a:buNone/>
-            </a:pPr>
-            <a:r>
-              <a:rPr lang="en-IN" sz="1800" b="1" dirty="0"/>
-              <a:t>SAVANTH REDDY</a:t>
-            </a:r>
-          </a:p>
-          <a:p>
-            <a:pPr marL="0" indent="0">
-              <a:buNone/>
-            </a:pPr>
-            <a:endParaRPr lang="en-IN" sz="1800" dirty="0"/>
-          </a:p>
-          <a:p>
-            <a:r>
-              <a:rPr lang="en-IN" sz="1800" b="1" dirty="0"/>
-              <a:t>ROLE: </a:t>
-            </a:r>
-            <a:r>
-              <a:rPr lang="en-IN" sz="1800" dirty="0"/>
-              <a:t>PROJECT LEADER</a:t>
-            </a:r>
-          </a:p>
-          <a:p>
-            <a:endParaRPr lang="en-IN" sz="1800" b="1" dirty="0"/>
-          </a:p>
-          <a:p>
-            <a:r>
-              <a:rPr lang="en-IN" sz="1800" b="1" dirty="0"/>
-              <a:t>RESPONSIBILITIES:</a:t>
-            </a:r>
-          </a:p>
-          <a:p>
-            <a:pPr algn="l">
-              <a:buFont typeface="Arial" panose="020B0604020202020204" pitchFamily="34" charset="0"/>
-              <a:buChar char="•"/>
-            </a:pPr>
-            <a:endParaRPr lang="en-US" sz="1400" b="0" i="0" dirty="0">
-              <a:solidFill>
-                <a:srgbClr val="0D0D0D"/>
-              </a:solidFill>
-              <a:effectLst/>
-              <a:highlight>
-                <a:srgbClr val="FFFFFF"/>
-              </a:highlight>
-              <a:latin typeface="Söhne"/>
-            </a:endParaRPr>
-          </a:p>
-          <a:p>
-            <a:pPr algn="l">
-              <a:buFont typeface="Arial" panose="020B0604020202020204" pitchFamily="34" charset="0"/>
-              <a:buChar char="•"/>
-            </a:pPr>
-            <a:r>
-              <a:rPr lang="en-US" sz="1400" b="0" i="0" dirty="0">
-                <a:solidFill>
-                  <a:srgbClr val="0D0D0D"/>
-                </a:solidFill>
-                <a:effectLst/>
-                <a:highlight>
-                  <a:srgbClr val="FFFFFF"/>
-                </a:highlight>
-                <a:latin typeface="Söhne"/>
-              </a:rPr>
-              <a:t>Overall project coordination and management.</a:t>
-            </a:r>
-          </a:p>
-          <a:p>
-            <a:pPr algn="l">
-              <a:buFont typeface="Arial" panose="020B0604020202020204" pitchFamily="34" charset="0"/>
-              <a:buChar char="•"/>
-            </a:pPr>
-            <a:r>
-              <a:rPr lang="en-US" sz="1400" b="0" i="0" dirty="0">
-                <a:solidFill>
-                  <a:srgbClr val="0D0D0D"/>
-                </a:solidFill>
-                <a:effectLst/>
-                <a:highlight>
-                  <a:srgbClr val="FFFFFF"/>
-                </a:highlight>
-                <a:latin typeface="Söhne"/>
-              </a:rPr>
-              <a:t>Conducting research on CNN architectures suitable for accident detection.</a:t>
-            </a:r>
-          </a:p>
-          <a:p>
-            <a:pPr algn="l">
-              <a:buFont typeface="Arial" panose="020B0604020202020204" pitchFamily="34" charset="0"/>
-              <a:buChar char="•"/>
-            </a:pPr>
-            <a:r>
-              <a:rPr lang="en-US" sz="1400" b="0" i="0" dirty="0">
-                <a:solidFill>
-                  <a:srgbClr val="0D0D0D"/>
-                </a:solidFill>
-                <a:effectLst/>
-                <a:highlight>
-                  <a:srgbClr val="FFFFFF"/>
-                </a:highlight>
-                <a:latin typeface="Söhne"/>
-              </a:rPr>
-              <a:t>Overseeing the project timeline and ensuring deadlines are met.</a:t>
-            </a:r>
-          </a:p>
-          <a:p>
-            <a:pPr algn="l">
-              <a:buFont typeface="Arial" panose="020B0604020202020204" pitchFamily="34" charset="0"/>
-              <a:buChar char="•"/>
-            </a:pPr>
-            <a:r>
-              <a:rPr lang="en-US" sz="1400" b="0" i="0" dirty="0">
-                <a:solidFill>
-                  <a:srgbClr val="0D0D0D"/>
-                </a:solidFill>
-                <a:effectLst/>
-                <a:highlight>
-                  <a:srgbClr val="FFFFFF"/>
-                </a:highlight>
-                <a:latin typeface="Söhne"/>
-              </a:rPr>
-              <a:t>Collaborating with team members to integrate individual contributions.</a:t>
-            </a:r>
-          </a:p>
-          <a:p>
-            <a:pPr marL="0" indent="0">
-              <a:buNone/>
-            </a:pPr>
-            <a:endParaRPr lang="en-IN" sz="1800" b="1" dirty="0"/>
-          </a:p>
-          <a:p>
-            <a:pPr marL="0" indent="0">
-              <a:buNone/>
-            </a:pPr>
-            <a:endParaRPr lang="en-IN" sz="1800" b="1" dirty="0"/>
-          </a:p>
-        </p:txBody>
-      </p:sp>
+          <p:cNvPicPr>
+            <a:picLocks noChangeAspect="1"/>
+          </p:cNvPicPr>
+          <p:nvPr/>
+        </p:nvPicPr>
+        <p:blipFill>
+          <a:blip r:embed="rId3"/>
+          <a:stretch>
+            <a:fillRect/>
+          </a:stretch>
+        </p:blipFill>
+        <p:spPr>
+          <a:xfrm>
+            <a:off x="1327608" y="3200400"/>
+            <a:ext cx="5731510" cy="2451100"/>
+          </a:xfrm>
+          <a:prstGeom prst="rect">
+            <a:avLst/>
+          </a:prstGeom>
+        </p:spPr>
+      </p:pic>
     </p:spTree>
     <p:extLst>
       <p:ext uri="{BB962C8B-B14F-4D97-AF65-F5344CB8AC3E}">
-        <p14:creationId xmlns:p14="http://schemas.microsoft.com/office/powerpoint/2010/main" val="2332072712"/>
+        <p14:creationId xmlns:p14="http://schemas.microsoft.com/office/powerpoint/2010/main" val="2874996246"/>
       </p:ext>
     </p:extLst>
   </p:cSld>
@@ -7934,7 +8277,7 @@
 </p:sld>
 </file>
 
-<file path=ppt/slides/slide20.xml><?xml version="1.0" encoding="utf-8"?>
+<file path=ppt/slides/slide23.xml><?xml version="1.0" encoding="utf-8"?>
 <p:sld xmlns:a="http://schemas.openxmlformats.org/drawingml/2006/main" xmlns:r="http://schemas.openxmlformats.org/officeDocument/2006/relationships" xmlns:p="http://schemas.openxmlformats.org/presentationml/2006/main">
   <p:cSld>
     <p:spTree>
@@ -8355,7 +8698,7 @@
 </p:sld>
 </file>
 
-<file path=ppt/slides/slide21.xml><?xml version="1.0" encoding="utf-8"?>
+<file path=ppt/slides/slide24.xml><?xml version="1.0" encoding="utf-8"?>
 <p:sld xmlns:a="http://schemas.openxmlformats.org/drawingml/2006/main" xmlns:r="http://schemas.openxmlformats.org/officeDocument/2006/relationships" xmlns:p="http://schemas.openxmlformats.org/presentationml/2006/main">
   <p:cSld>
     <p:spTree>

--- a/AccidentDetection_Using_CNN.pptx
+++ b/AccidentDetection_Using_CNN.pptx
@@ -5300,7 +5300,7 @@
           </a:p>
           <a:p>
             <a:r>
-              <a:rPr lang="en-US" sz="1800" b="1" i="0" dirty="0">
+              <a:rPr lang="en-US" sz="1900" b="1" i="0" dirty="0">
                 <a:solidFill>
                   <a:srgbClr val="0D0D0D"/>
                 </a:solidFill>
@@ -5312,7 +5312,7 @@
               </a:rPr>
               <a:t>Advanced Technologies:</a:t>
             </a:r>
-            <a:endParaRPr lang="en-US" sz="1800" dirty="0">
+            <a:endParaRPr lang="en-US" sz="1900" dirty="0">
               <a:solidFill>
                 <a:srgbClr val="0D0D0D"/>
               </a:solidFill>
@@ -5327,7 +5327,7 @@
               <a:buNone/>
             </a:pPr>
             <a:r>
-              <a:rPr lang="en-US" sz="1800" b="1" i="0" dirty="0">
+              <a:rPr lang="en-US" sz="1700" b="1" i="0" dirty="0">
                 <a:solidFill>
                   <a:srgbClr val="0D0D0D"/>
                 </a:solidFill>
@@ -5340,7 +5340,7 @@
               <a:t>Machine Learning Algorithms:</a:t>
             </a:r>
             <a:r>
-              <a:rPr lang="en-US" sz="1800" b="0" i="0" dirty="0">
+              <a:rPr lang="en-US" sz="1700" b="0" i="0" dirty="0">
                 <a:solidFill>
                   <a:srgbClr val="0D0D0D"/>
                 </a:solidFill>
@@ -5358,7 +5358,7 @@
               <a:buNone/>
             </a:pPr>
             <a:r>
-              <a:rPr lang="en-US" sz="1800" b="1" i="0" dirty="0">
+              <a:rPr lang="en-US" sz="1700" b="1" i="0" dirty="0">
                 <a:solidFill>
                   <a:srgbClr val="0D0D0D"/>
                 </a:solidFill>
@@ -5371,7 +5371,7 @@
               <a:t>IoT and Smart Cities:</a:t>
             </a:r>
             <a:r>
-              <a:rPr lang="en-US" sz="1800" b="0" i="0" dirty="0">
+              <a:rPr lang="en-US" sz="1700" b="0" i="0" dirty="0">
                 <a:solidFill>
                   <a:srgbClr val="0D0D0D"/>
                 </a:solidFill>
@@ -5459,7 +5459,7 @@
         <p:spPr/>
         <p:txBody>
           <a:bodyPr>
-            <a:normAutofit/>
+            <a:normAutofit lnSpcReduction="10000"/>
           </a:bodyPr>
           <a:lstStyle/>
           <a:p>
@@ -5467,7 +5467,7 @@
               <a:buNone/>
             </a:pPr>
             <a:r>
-              <a:rPr lang="en-US" sz="1600" b="1" i="0" dirty="0">
+              <a:rPr lang="en-US" sz="1900" b="1" i="0" dirty="0">
                 <a:solidFill>
                   <a:srgbClr val="0D0D0D"/>
                 </a:solidFill>
@@ -5479,7 +5479,7 @@
               </a:rPr>
               <a:t>Challenges in Current Accident Detection Systems:</a:t>
             </a:r>
-            <a:endParaRPr lang="en-US" sz="1600" b="0" i="0" dirty="0">
+            <a:endParaRPr lang="en-US" sz="1900" b="0" i="0" dirty="0">
               <a:solidFill>
                 <a:srgbClr val="0D0D0D"/>
               </a:solidFill>
@@ -5496,7 +5496,7 @@
               <a:buChar char="•"/>
             </a:pPr>
             <a:r>
-              <a:rPr lang="en-US" sz="1600" b="1" i="0" dirty="0">
+              <a:rPr lang="en-US" sz="1700" b="1" i="0" dirty="0">
                 <a:solidFill>
                   <a:srgbClr val="0D0D0D"/>
                 </a:solidFill>
@@ -5508,7 +5508,7 @@
               </a:rPr>
               <a:t>Inaccuracy and False Alarms:</a:t>
             </a:r>
-            <a:endParaRPr lang="en-US" sz="1600" b="0" i="0" dirty="0">
+            <a:endParaRPr lang="en-US" sz="1700" b="0" i="0" dirty="0">
               <a:solidFill>
                 <a:srgbClr val="0D0D0D"/>
               </a:solidFill>
@@ -5525,7 +5525,7 @@
               <a:buChar char="•"/>
             </a:pPr>
             <a:r>
-              <a:rPr lang="en-US" sz="1600" b="0" i="0" dirty="0">
+              <a:rPr lang="en-US" sz="1700" b="0" i="0" dirty="0">
                 <a:solidFill>
                   <a:srgbClr val="0D0D0D"/>
                 </a:solidFill>
@@ -5544,7 +5544,7 @@
               <a:buChar char="•"/>
             </a:pPr>
             <a:r>
-              <a:rPr lang="en-US" sz="1600" b="1" i="0" dirty="0">
+              <a:rPr lang="en-US" sz="1700" b="1" i="0" dirty="0">
                 <a:solidFill>
                   <a:srgbClr val="0D0D0D"/>
                 </a:solidFill>
@@ -5556,7 +5556,7 @@
               </a:rPr>
               <a:t>Limited Coverage:</a:t>
             </a:r>
-            <a:endParaRPr lang="en-US" sz="1600" b="0" i="0" dirty="0">
+            <a:endParaRPr lang="en-US" sz="1700" b="0" i="0" dirty="0">
               <a:solidFill>
                 <a:srgbClr val="0D0D0D"/>
               </a:solidFill>
@@ -5573,7 +5573,7 @@
               <a:buChar char="•"/>
             </a:pPr>
             <a:r>
-              <a:rPr lang="en-US" sz="1600" b="0" i="0" dirty="0">
+              <a:rPr lang="en-US" sz="1700" b="0" i="0" dirty="0">
                 <a:solidFill>
                   <a:srgbClr val="0D0D0D"/>
                 </a:solidFill>
@@ -5592,7 +5592,7 @@
               <a:buChar char="•"/>
             </a:pPr>
             <a:r>
-              <a:rPr lang="en-US" sz="1600" b="1" i="0" dirty="0">
+              <a:rPr lang="en-US" sz="1700" b="1" i="0" dirty="0">
                 <a:solidFill>
                   <a:srgbClr val="0D0D0D"/>
                 </a:solidFill>
@@ -5604,7 +5604,7 @@
               </a:rPr>
               <a:t>Delayed Response Time:</a:t>
             </a:r>
-            <a:endParaRPr lang="en-US" sz="1600" b="0" i="0" dirty="0">
+            <a:endParaRPr lang="en-US" sz="1700" b="0" i="0" dirty="0">
               <a:solidFill>
                 <a:srgbClr val="0D0D0D"/>
               </a:solidFill>
@@ -5621,7 +5621,7 @@
               <a:buChar char="•"/>
             </a:pPr>
             <a:r>
-              <a:rPr lang="en-US" sz="1600" b="0" i="0" dirty="0">
+              <a:rPr lang="en-US" sz="1700" b="0" i="0" dirty="0">
                 <a:solidFill>
                   <a:srgbClr val="0D0D0D"/>
                 </a:solidFill>
@@ -5640,7 +5640,7 @@
               <a:buChar char="•"/>
             </a:pPr>
             <a:r>
-              <a:rPr lang="en-US" sz="1600" b="1" i="0" dirty="0">
+              <a:rPr lang="en-US" sz="1700" b="1" i="0" dirty="0">
                 <a:solidFill>
                   <a:srgbClr val="0D0D0D"/>
                 </a:solidFill>
@@ -5652,7 +5652,7 @@
               </a:rPr>
               <a:t>Scalability Issues:</a:t>
             </a:r>
-            <a:endParaRPr lang="en-US" sz="1600" b="0" i="0" dirty="0">
+            <a:endParaRPr lang="en-US" sz="1700" b="0" i="0" dirty="0">
               <a:solidFill>
                 <a:srgbClr val="0D0D0D"/>
               </a:solidFill>
@@ -5669,7 +5669,7 @@
               <a:buChar char="•"/>
             </a:pPr>
             <a:r>
-              <a:rPr lang="en-US" sz="1600" b="0" i="0" dirty="0">
+              <a:rPr lang="en-US" sz="1700" b="0" i="0" dirty="0">
                 <a:solidFill>
                   <a:srgbClr val="0D0D0D"/>
                 </a:solidFill>
@@ -5781,7 +5781,7 @@
               <a:buNone/>
             </a:pPr>
             <a:r>
-              <a:rPr lang="en-US" sz="1600" b="1" i="0" dirty="0">
+              <a:rPr lang="en-US" sz="1900" b="1" i="0" dirty="0">
                 <a:solidFill>
                   <a:srgbClr val="0D0D0D"/>
                 </a:solidFill>
@@ -5793,7 +5793,7 @@
               </a:rPr>
               <a:t>Need for Automated and Real-time Accident Detection Solutions:</a:t>
             </a:r>
-            <a:endParaRPr lang="en-US" sz="1600" b="0" i="0" dirty="0">
+            <a:endParaRPr lang="en-US" sz="1900" b="0" i="0" dirty="0">
               <a:solidFill>
                 <a:srgbClr val="0D0D0D"/>
               </a:solidFill>
@@ -5810,7 +5810,7 @@
               <a:buChar char="•"/>
             </a:pPr>
             <a:r>
-              <a:rPr lang="en-US" sz="1600" b="1" i="0" dirty="0">
+              <a:rPr lang="en-US" sz="1700" b="1" i="0" dirty="0">
                 <a:solidFill>
                   <a:srgbClr val="0D0D0D"/>
                 </a:solidFill>
@@ -5822,7 +5822,7 @@
               </a:rPr>
               <a:t>Enhanced Accuracy:</a:t>
             </a:r>
-            <a:endParaRPr lang="en-US" sz="1600" b="0" i="0" dirty="0">
+            <a:endParaRPr lang="en-US" sz="1700" b="0" i="0" dirty="0">
               <a:solidFill>
                 <a:srgbClr val="0D0D0D"/>
               </a:solidFill>
@@ -5839,7 +5839,7 @@
               <a:buChar char="•"/>
             </a:pPr>
             <a:r>
-              <a:rPr lang="en-US" sz="1600" b="0" i="0" dirty="0">
+              <a:rPr lang="en-US" sz="1700" b="0" i="0" dirty="0">
                 <a:solidFill>
                   <a:srgbClr val="0D0D0D"/>
                 </a:solidFill>
@@ -5858,7 +5858,7 @@
               <a:buChar char="•"/>
             </a:pPr>
             <a:r>
-              <a:rPr lang="en-US" sz="1600" b="1" i="0" dirty="0">
+              <a:rPr lang="en-US" sz="1700" b="1" i="0" dirty="0">
                 <a:solidFill>
                   <a:srgbClr val="0D0D0D"/>
                 </a:solidFill>
@@ -5870,7 +5870,7 @@
               </a:rPr>
               <a:t>Comprehensive Coverage:</a:t>
             </a:r>
-            <a:endParaRPr lang="en-US" sz="1600" b="0" i="0" dirty="0">
+            <a:endParaRPr lang="en-US" sz="1700" b="0" i="0" dirty="0">
               <a:solidFill>
                 <a:srgbClr val="0D0D0D"/>
               </a:solidFill>
@@ -5887,7 +5887,7 @@
               <a:buChar char="•"/>
             </a:pPr>
             <a:r>
-              <a:rPr lang="en-US" sz="1600" b="0" i="0" dirty="0">
+              <a:rPr lang="en-US" sz="1700" b="0" i="0" dirty="0">
                 <a:solidFill>
                   <a:srgbClr val="0D0D0D"/>
                 </a:solidFill>
@@ -5906,7 +5906,7 @@
               <a:buChar char="•"/>
             </a:pPr>
             <a:r>
-              <a:rPr lang="en-US" sz="1600" b="1" i="0" dirty="0">
+              <a:rPr lang="en-US" sz="1700" b="1" i="0" dirty="0">
                 <a:solidFill>
                   <a:srgbClr val="0D0D0D"/>
                 </a:solidFill>
@@ -5918,7 +5918,7 @@
               </a:rPr>
               <a:t>Quick Response and Intervention:</a:t>
             </a:r>
-            <a:endParaRPr lang="en-US" sz="1600" b="0" i="0" dirty="0">
+            <a:endParaRPr lang="en-US" sz="1700" b="0" i="0" dirty="0">
               <a:solidFill>
                 <a:srgbClr val="0D0D0D"/>
               </a:solidFill>
@@ -5935,7 +5935,7 @@
               <a:buChar char="•"/>
             </a:pPr>
             <a:r>
-              <a:rPr lang="en-US" sz="1600" b="0" i="0" dirty="0">
+              <a:rPr lang="en-US" sz="1700" b="0" i="0" dirty="0">
                 <a:solidFill>
                   <a:srgbClr val="0D0D0D"/>
                 </a:solidFill>
@@ -5954,7 +5954,7 @@
               <a:buChar char="•"/>
             </a:pPr>
             <a:r>
-              <a:rPr lang="en-US" sz="1600" b="1" i="0" dirty="0">
+              <a:rPr lang="en-US" sz="1700" b="1" i="0" dirty="0">
                 <a:solidFill>
                   <a:srgbClr val="0D0D0D"/>
                 </a:solidFill>
@@ -5966,7 +5966,7 @@
               </a:rPr>
               <a:t>Adaptability and Scalability:</a:t>
             </a:r>
-            <a:endParaRPr lang="en-US" sz="1600" b="0" i="0" dirty="0">
+            <a:endParaRPr lang="en-US" sz="1700" b="0" i="0" dirty="0">
               <a:solidFill>
                 <a:srgbClr val="0D0D0D"/>
               </a:solidFill>
@@ -5983,7 +5983,7 @@
               <a:buChar char="•"/>
             </a:pPr>
             <a:r>
-              <a:rPr lang="en-US" sz="1600" b="0" i="0" dirty="0">
+              <a:rPr lang="en-US" sz="1700" b="0" i="0" dirty="0">
                 <a:solidFill>
                   <a:srgbClr val="0D0D0D"/>
                 </a:solidFill>
@@ -6086,7 +6086,7 @@
               <a:buNone/>
             </a:pPr>
             <a:r>
-              <a:rPr lang="en-US" sz="1800" b="1" i="0" dirty="0">
+              <a:rPr lang="en-US" sz="1900" b="1" i="0" dirty="0">
                 <a:solidFill>
                   <a:srgbClr val="0D0D0D"/>
                 </a:solidFill>
@@ -6119,7 +6119,7 @@
               <a:buChar char="•"/>
             </a:pPr>
             <a:r>
-              <a:rPr lang="en-US" sz="1400" b="1" i="0" dirty="0">
+              <a:rPr lang="en-US" sz="1700" b="1" i="0" dirty="0">
                 <a:solidFill>
                   <a:srgbClr val="0D0D0D"/>
                 </a:solidFill>
@@ -6131,7 +6131,7 @@
               </a:rPr>
               <a:t>What is CNN?</a:t>
             </a:r>
-            <a:endParaRPr lang="en-US" sz="1400" b="0" i="0" dirty="0">
+            <a:endParaRPr lang="en-US" sz="1700" b="0" i="0" dirty="0">
               <a:solidFill>
                 <a:srgbClr val="0D0D0D"/>
               </a:solidFill>
@@ -6148,7 +6148,7 @@
               <a:buChar char="•"/>
             </a:pPr>
             <a:r>
-              <a:rPr lang="en-US" sz="1400" b="0" i="0" dirty="0">
+              <a:rPr lang="en-US" sz="1700" b="0" i="0" dirty="0">
                 <a:solidFill>
                   <a:srgbClr val="0D0D0D"/>
                 </a:solidFill>
@@ -6167,7 +6167,7 @@
               <a:buChar char="•"/>
             </a:pPr>
             <a:r>
-              <a:rPr lang="en-US" sz="1400" b="1" i="0" dirty="0">
+              <a:rPr lang="en-US" sz="1700" b="1" i="0" dirty="0">
                 <a:solidFill>
                   <a:srgbClr val="0D0D0D"/>
                 </a:solidFill>
@@ -6179,7 +6179,7 @@
               </a:rPr>
               <a:t>Why CNN for Accident Detection?</a:t>
             </a:r>
-            <a:endParaRPr lang="en-US" sz="1400" b="0" i="0" dirty="0">
+            <a:endParaRPr lang="en-US" sz="1700" b="0" i="0" dirty="0">
               <a:solidFill>
                 <a:srgbClr val="0D0D0D"/>
               </a:solidFill>
@@ -6196,7 +6196,7 @@
               <a:buChar char="•"/>
             </a:pPr>
             <a:r>
-              <a:rPr lang="en-US" sz="1400" b="0" i="0" dirty="0">
+              <a:rPr lang="en-US" sz="1700" b="0" i="0" dirty="0">
                 <a:solidFill>
                   <a:srgbClr val="0D0D0D"/>
                 </a:solidFill>
@@ -6701,31 +6701,27 @@
           <a:lstStyle/>
           <a:p>
             <a:r>
-              <a:rPr lang="en-US" sz="1400" b="1" dirty="0">
+              <a:rPr lang="en-US" sz="1700" b="1" dirty="0">
                 <a:latin typeface="Söhne"/>
               </a:rPr>
               <a:t>Data Collection: </a:t>
             </a:r>
             <a:r>
-              <a:rPr lang="en-US" sz="1400" dirty="0">
-                <a:latin typeface="Söhne"/>
-              </a:rPr>
-              <a:t>Collect sufficient data samples and legitimate software samples</a:t>
-            </a:r>
-            <a:r>
-              <a:rPr lang="en-US" sz="1400" dirty="0"/>
-              <a:t>.</a:t>
-            </a:r>
-          </a:p>
-          <a:p>
-            <a:r>
-              <a:rPr lang="en-US" sz="1400" b="1" dirty="0">
+              <a:rPr lang="en-US" sz="1700" dirty="0">
+                <a:latin typeface="Söhne"/>
+              </a:rPr>
+              <a:t>Collect sufficient data samples and legitimate software samples.</a:t>
+            </a:r>
+          </a:p>
+          <a:p>
+            <a:r>
+              <a:rPr lang="en-US" sz="1700" b="1" dirty="0">
                 <a:latin typeface="Söhne"/>
               </a:rPr>
               <a:t>Feature Extraction: </a:t>
             </a:r>
             <a:r>
-              <a:rPr lang="en-US" sz="1400" dirty="0">
+              <a:rPr lang="en-US" sz="1700" dirty="0">
                 <a:latin typeface="Söhne"/>
               </a:rPr>
               <a:t>For each video’s extract the features using image processing.</a:t>
@@ -6733,13 +6729,13 @@
           </a:p>
           <a:p>
             <a:r>
-              <a:rPr lang="en-US" sz="1400" b="1" dirty="0">
+              <a:rPr lang="en-US" sz="1700" b="1" dirty="0">
                 <a:latin typeface="Söhne"/>
               </a:rPr>
               <a:t>Train and Test Modelling: </a:t>
             </a:r>
             <a:r>
-              <a:rPr lang="en-US" sz="1400" dirty="0">
+              <a:rPr lang="en-US" sz="1700" dirty="0">
                 <a:latin typeface="Söhne"/>
               </a:rPr>
               <a:t>Split the data into train and test data Train will be used for training the model and Test data to check the performance.</a:t>
@@ -6747,13 +6743,13 @@
           </a:p>
           <a:p>
             <a:r>
-              <a:rPr lang="en-US" sz="1400" b="1" dirty="0">
+              <a:rPr lang="en-US" sz="1700" b="1" dirty="0">
                 <a:latin typeface="Söhne"/>
               </a:rPr>
               <a:t>Modelling</a:t>
             </a:r>
             <a:r>
-              <a:rPr lang="en-US" sz="1400" dirty="0">
+              <a:rPr lang="en-US" sz="1700" dirty="0">
                 <a:latin typeface="Söhne"/>
               </a:rPr>
               <a:t>: CNN. Combine the training deep learning algorithms and establish a classification model. </a:t>
@@ -6761,18 +6757,18 @@
           </a:p>
           <a:p>
             <a:r>
-              <a:rPr lang="en-US" sz="1400" b="1" dirty="0">
+              <a:rPr lang="en-US" sz="1700" b="1" dirty="0">
                 <a:latin typeface="Söhne"/>
               </a:rPr>
               <a:t>Detection: </a:t>
             </a:r>
             <a:r>
-              <a:rPr lang="en-US" sz="1400" dirty="0">
+              <a:rPr lang="en-US" sz="1700" dirty="0">
                 <a:latin typeface="Söhne"/>
               </a:rPr>
               <a:t>in this module we will detect accident by uploading video.</a:t>
             </a:r>
-            <a:endParaRPr lang="en-IN" sz="1800" dirty="0">
+            <a:endParaRPr lang="en-IN" sz="1700" dirty="0">
               <a:latin typeface="Söhne"/>
             </a:endParaRPr>
           </a:p>
@@ -6956,7 +6952,7 @@
               <a:buNone/>
             </a:pPr>
             <a:r>
-              <a:rPr lang="en-US" sz="1500" b="1" i="0" dirty="0">
+              <a:rPr lang="en-US" sz="1900" b="1" i="0" dirty="0">
                 <a:solidFill>
                   <a:srgbClr val="0D0D0D"/>
                 </a:solidFill>
@@ -6968,7 +6964,7 @@
               </a:rPr>
               <a:t>Performance Metrics:</a:t>
             </a:r>
-            <a:endParaRPr lang="en-US" sz="1500" b="0" i="0" dirty="0">
+            <a:endParaRPr lang="en-US" sz="1900" b="0" i="0" dirty="0">
               <a:solidFill>
                 <a:srgbClr val="0D0D0D"/>
               </a:solidFill>
@@ -6988,7 +6984,7 @@
               <a:buChar char="•"/>
             </a:pPr>
             <a:r>
-              <a:rPr lang="en-US" sz="1500" b="1" i="0" dirty="0">
+              <a:rPr lang="en-US" sz="1700" b="1" i="0" dirty="0">
                 <a:solidFill>
                   <a:srgbClr val="0D0D0D"/>
                 </a:solidFill>
@@ -7000,7 +6996,7 @@
               </a:rPr>
               <a:t>Accuracy:</a:t>
             </a:r>
-            <a:endParaRPr lang="en-US" sz="1500" b="0" i="0" dirty="0">
+            <a:endParaRPr lang="en-US" sz="1700" b="0" i="0" dirty="0">
               <a:solidFill>
                 <a:srgbClr val="0D0D0D"/>
               </a:solidFill>
@@ -7020,7 +7016,7 @@
               <a:buChar char="•"/>
             </a:pPr>
             <a:r>
-              <a:rPr lang="en-US" sz="1500" b="0" i="0" dirty="0">
+              <a:rPr lang="en-US" sz="1700" b="0" i="0" dirty="0">
                 <a:solidFill>
                   <a:srgbClr val="0D0D0D"/>
                 </a:solidFill>
@@ -7033,7 +7029,7 @@
               <a:t>Our CNN-based accident detection system achieved an accuracy of </a:t>
             </a:r>
             <a:r>
-              <a:rPr lang="en-US" sz="1500" b="1" i="0" dirty="0">
+              <a:rPr lang="en-US" sz="1700" b="1" i="0" dirty="0">
                 <a:solidFill>
                   <a:srgbClr val="0D0D0D"/>
                 </a:solidFill>
@@ -7046,7 +7042,7 @@
               <a:t>95%</a:t>
             </a:r>
             <a:r>
-              <a:rPr lang="en-US" sz="1500" b="0" i="0" dirty="0">
+              <a:rPr lang="en-US" sz="1700" b="0" i="0" dirty="0">
                 <a:solidFill>
                   <a:srgbClr val="0D0D0D"/>
                 </a:solidFill>
@@ -7068,7 +7064,7 @@
               <a:buChar char="•"/>
             </a:pPr>
             <a:r>
-              <a:rPr lang="en-US" sz="1500" b="1" i="0" dirty="0">
+              <a:rPr lang="en-US" sz="1700" b="1" i="0" dirty="0">
                 <a:solidFill>
                   <a:srgbClr val="0D0D0D"/>
                 </a:solidFill>
@@ -7080,7 +7076,7 @@
               </a:rPr>
               <a:t>Precision:</a:t>
             </a:r>
-            <a:endParaRPr lang="en-US" sz="1500" b="0" i="0" dirty="0">
+            <a:endParaRPr lang="en-US" sz="1700" b="0" i="0" dirty="0">
               <a:solidFill>
                 <a:srgbClr val="0D0D0D"/>
               </a:solidFill>
@@ -7100,7 +7096,7 @@
               <a:buChar char="•"/>
             </a:pPr>
             <a:r>
-              <a:rPr lang="en-US" sz="1500" b="0" i="0" dirty="0">
+              <a:rPr lang="en-US" sz="1700" b="0" i="0" dirty="0">
                 <a:solidFill>
                   <a:srgbClr val="0D0D0D"/>
                 </a:solidFill>
@@ -7113,7 +7109,7 @@
               <a:t>The precision of the system was measured at </a:t>
             </a:r>
             <a:r>
-              <a:rPr lang="en-US" sz="1500" b="1" i="0" dirty="0">
+              <a:rPr lang="en-US" sz="1700" b="1" i="0" dirty="0">
                 <a:solidFill>
                   <a:srgbClr val="0D0D0D"/>
                 </a:solidFill>
@@ -7126,7 +7122,7 @@
               <a:t>92%</a:t>
             </a:r>
             <a:r>
-              <a:rPr lang="en-US" sz="1500" b="0" i="0" dirty="0">
+              <a:rPr lang="en-US" sz="1700" b="0" i="0" dirty="0">
                 <a:solidFill>
                   <a:srgbClr val="0D0D0D"/>
                 </a:solidFill>
@@ -7148,7 +7144,7 @@
               <a:buChar char="•"/>
             </a:pPr>
             <a:r>
-              <a:rPr lang="en-US" sz="1500" b="1" i="0" dirty="0">
+              <a:rPr lang="en-US" sz="1700" b="1" i="0" dirty="0">
                 <a:solidFill>
                   <a:srgbClr val="0D0D0D"/>
                 </a:solidFill>
@@ -7160,7 +7156,7 @@
               </a:rPr>
               <a:t>Recall (Sensitivity):</a:t>
             </a:r>
-            <a:endParaRPr lang="en-US" sz="1500" b="0" i="0" dirty="0">
+            <a:endParaRPr lang="en-US" sz="1700" b="0" i="0" dirty="0">
               <a:solidFill>
                 <a:srgbClr val="0D0D0D"/>
               </a:solidFill>
@@ -7180,7 +7176,7 @@
               <a:buChar char="•"/>
             </a:pPr>
             <a:r>
-              <a:rPr lang="en-US" sz="1500" b="0" i="0" dirty="0">
+              <a:rPr lang="en-US" sz="1700" b="0" i="0" dirty="0">
                 <a:solidFill>
                   <a:srgbClr val="0D0D0D"/>
                 </a:solidFill>
@@ -7193,7 +7189,7 @@
               <a:t>The recall or sensitivity of the system was </a:t>
             </a:r>
             <a:r>
-              <a:rPr lang="en-US" sz="1500" b="1" i="0" dirty="0">
+              <a:rPr lang="en-US" sz="1700" b="1" i="0" dirty="0">
                 <a:solidFill>
                   <a:srgbClr val="0D0D0D"/>
                 </a:solidFill>
@@ -7206,7 +7202,7 @@
               <a:t>96%</a:t>
             </a:r>
             <a:r>
-              <a:rPr lang="en-US" sz="1500" b="0" i="0" dirty="0">
+              <a:rPr lang="en-US" sz="1700" b="0" i="0" dirty="0">
                 <a:solidFill>
                   <a:srgbClr val="0D0D0D"/>
                 </a:solidFill>
@@ -7315,7 +7311,7 @@
               <a:buNone/>
             </a:pPr>
             <a:r>
-              <a:rPr lang="en-US" sz="1500" b="1" i="0" dirty="0">
+              <a:rPr lang="en-US" sz="1700" b="1" i="0" dirty="0">
                 <a:solidFill>
                   <a:srgbClr val="0D0D0D"/>
                 </a:solidFill>
@@ -7327,7 +7323,7 @@
               </a:rPr>
               <a:t>Visuals:</a:t>
             </a:r>
-            <a:endParaRPr lang="en-US" sz="1500" b="0" i="0" dirty="0">
+            <a:endParaRPr lang="en-US" sz="1700" b="0" i="0" dirty="0">
               <a:solidFill>
                 <a:srgbClr val="0D0D0D"/>
               </a:solidFill>
@@ -7347,19 +7343,19 @@
               <a:buChar char="•"/>
             </a:pPr>
             <a:r>
-              <a:rPr lang="en-US" sz="1500" b="1" i="0" dirty="0">
-                <a:solidFill>
-                  <a:srgbClr val="0D0D0D"/>
-                </a:solidFill>
-                <a:effectLst/>
-                <a:highlight>
-                  <a:srgbClr val="FFFFFF"/>
-                </a:highlight>
-                <a:latin typeface="Söhne"/>
-              </a:rPr>
-              <a:t>Graph 1: Accuracy, Precision, and Recall</a:t>
-            </a:r>
-            <a:endParaRPr lang="en-US" sz="1500" b="0" i="0" dirty="0">
+              <a:rPr lang="en-US" sz="1700" b="1" i="0" dirty="0">
+                <a:solidFill>
+                  <a:srgbClr val="0D0D0D"/>
+                </a:solidFill>
+                <a:effectLst/>
+                <a:highlight>
+                  <a:srgbClr val="FFFFFF"/>
+                </a:highlight>
+                <a:latin typeface="Söhne"/>
+              </a:rPr>
+              <a:t>Graph 1:  Training Loss &amp; Accuracy</a:t>
+            </a:r>
+            <a:endParaRPr lang="en-US" sz="1700" b="0" i="0" dirty="0">
               <a:solidFill>
                 <a:srgbClr val="0D0D0D"/>
               </a:solidFill>
@@ -7379,17 +7375,42 @@
               <a:buChar char="•"/>
             </a:pPr>
             <a:r>
-              <a:rPr lang="en-US" sz="1500" b="0" i="0" dirty="0">
-                <a:solidFill>
-                  <a:srgbClr val="0D0D0D"/>
-                </a:solidFill>
-                <a:effectLst/>
-                <a:highlight>
-                  <a:srgbClr val="FFFFFF"/>
-                </a:highlight>
-                <a:latin typeface="Söhne"/>
-              </a:rPr>
-              <a:t>A bar graph showcasing the accuracy, precision, and recall metrics to visually represent the performance of the CNN-based accident detection system.</a:t>
+              <a:rPr lang="en-US" sz="1700" b="0" i="0" dirty="0">
+                <a:solidFill>
+                  <a:srgbClr val="0D0D0D"/>
+                </a:solidFill>
+                <a:effectLst/>
+                <a:highlight>
+                  <a:srgbClr val="FFFFFF"/>
+                </a:highlight>
+                <a:latin typeface="Söhne"/>
+              </a:rPr>
+              <a:t>A bar graph showcasing the accuracy, </a:t>
+            </a:r>
+            <a:r>
+              <a:rPr lang="en-US" sz="1700" dirty="0">
+                <a:solidFill>
+                  <a:srgbClr val="0D0D0D"/>
+                </a:solidFill>
+                <a:highlight>
+                  <a:srgbClr val="FFFFFF"/>
+                </a:highlight>
+                <a:latin typeface="Söhne"/>
+              </a:rPr>
+              <a:t>loss</a:t>
+            </a:r>
+            <a:r>
+              <a:rPr lang="en-US" sz="1700" b="0" i="0" dirty="0">
+                <a:solidFill>
+                  <a:srgbClr val="0D0D0D"/>
+                </a:solidFill>
+                <a:effectLst/>
+                <a:highlight>
+                  <a:srgbClr val="FFFFFF"/>
+                </a:highlight>
+                <a:latin typeface="Söhne"/>
+              </a:rPr>
+              <a:t> metrics to visually represent the performance of the CNN-based accident detection system.</a:t>
             </a:r>
           </a:p>
           <a:p>
@@ -7401,19 +7422,31 @@
               <a:buChar char="•"/>
             </a:pPr>
             <a:r>
-              <a:rPr lang="en-US" sz="1500" b="1" i="0" dirty="0">
-                <a:solidFill>
-                  <a:srgbClr val="0D0D0D"/>
-                </a:solidFill>
-                <a:effectLst/>
-                <a:highlight>
-                  <a:srgbClr val="FFFFFF"/>
-                </a:highlight>
-                <a:latin typeface="Söhne"/>
-              </a:rPr>
-              <a:t>Graph 2: Confusion Matrix</a:t>
-            </a:r>
-            <a:endParaRPr lang="en-US" sz="1500" b="0" i="0" dirty="0">
+              <a:rPr lang="en-US" sz="1700" b="1" i="0" dirty="0">
+                <a:solidFill>
+                  <a:srgbClr val="0D0D0D"/>
+                </a:solidFill>
+                <a:effectLst/>
+                <a:highlight>
+                  <a:srgbClr val="FFFFFF"/>
+                </a:highlight>
+                <a:latin typeface="Söhne"/>
+              </a:rPr>
+              <a:t>Graph 2: </a:t>
+            </a:r>
+            <a:r>
+              <a:rPr lang="en-US" sz="1700" b="1" dirty="0">
+                <a:solidFill>
+                  <a:srgbClr val="0D0D0D"/>
+                </a:solidFill>
+                <a:highlight>
+                  <a:srgbClr val="FFFFFF"/>
+                </a:highlight>
+                <a:latin typeface="Söhne"/>
+              </a:rPr>
+              <a:t>Validation Loss and Accuracy</a:t>
+            </a:r>
+            <a:endParaRPr lang="en-US" sz="1700" b="0" i="0" dirty="0">
               <a:solidFill>
                 <a:srgbClr val="0D0D0D"/>
               </a:solidFill>
@@ -7433,41 +7466,58 @@
               <a:buChar char="•"/>
             </a:pPr>
             <a:r>
-              <a:rPr lang="en-US" sz="1500" b="0" i="0" dirty="0">
-                <a:solidFill>
-                  <a:srgbClr val="0D0D0D"/>
-                </a:solidFill>
-                <a:effectLst/>
-                <a:highlight>
-                  <a:srgbClr val="FFFFFF"/>
-                </a:highlight>
-                <a:latin typeface="Söhne"/>
-              </a:rPr>
-              <a:t>A confusion matrix or heatmap illustrating the true positives, true negatives, false positives, and false negatives to provide a detailed view of the system's classification results.</a:t>
-            </a:r>
-          </a:p>
-          <a:p>
-            <a:pPr algn="l">
-              <a:lnSpc>
-                <a:spcPct val="150000"/>
-              </a:lnSpc>
-              <a:buFont typeface="Arial" panose="020B0604020202020204" pitchFamily="34" charset="0"/>
-              <a:buChar char="•"/>
-            </a:pPr>
-            <a:r>
-              <a:rPr lang="en-US" sz="1500" b="1" i="0" dirty="0">
-                <a:solidFill>
-                  <a:srgbClr val="0D0D0D"/>
-                </a:solidFill>
-                <a:effectLst/>
-                <a:highlight>
-                  <a:srgbClr val="FFFFFF"/>
-                </a:highlight>
-                <a:latin typeface="Söhne"/>
-              </a:rPr>
-              <a:t>Simulation Screenshots:</a:t>
-            </a:r>
-            <a:endParaRPr lang="en-US" sz="1500" b="0" i="0" dirty="0">
+              <a:rPr lang="en-US" sz="1700" b="0" i="0" dirty="0">
+                <a:solidFill>
+                  <a:srgbClr val="0D0D0D"/>
+                </a:solidFill>
+                <a:effectLst/>
+                <a:highlight>
+                  <a:srgbClr val="FFFFFF"/>
+                </a:highlight>
+                <a:latin typeface="Söhne"/>
+              </a:rPr>
+              <a:t>A </a:t>
+            </a:r>
+            <a:r>
+              <a:rPr lang="en-US" sz="1700" b="0" i="0" dirty="0" err="1">
+                <a:solidFill>
+                  <a:srgbClr val="0D0D0D"/>
+                </a:solidFill>
+                <a:effectLst/>
+                <a:highlight>
+                  <a:srgbClr val="FFFFFF"/>
+                </a:highlight>
+                <a:latin typeface="Söhne"/>
+              </a:rPr>
+              <a:t>Validaton</a:t>
+            </a:r>
+            <a:r>
+              <a:rPr lang="en-US" sz="1700" b="0" i="0" dirty="0">
+                <a:solidFill>
+                  <a:srgbClr val="0D0D0D"/>
+                </a:solidFill>
+                <a:effectLst/>
+                <a:highlight>
+                  <a:srgbClr val="FFFFFF"/>
+                </a:highlight>
+                <a:latin typeface="Söhne"/>
+              </a:rPr>
+              <a:t> Loss and Accuracy metrics to visually represent the validation of CNN based </a:t>
+            </a:r>
+            <a:r>
+              <a:rPr lang="en-US" sz="1700" b="0" i="0">
+                <a:solidFill>
+                  <a:srgbClr val="0D0D0D"/>
+                </a:solidFill>
+                <a:effectLst/>
+                <a:highlight>
+                  <a:srgbClr val="FFFFFF"/>
+                </a:highlight>
+                <a:latin typeface="Söhne"/>
+              </a:rPr>
+              <a:t>detection System.</a:t>
+            </a:r>
+            <a:endParaRPr lang="en-US" sz="1700" b="0" i="0" dirty="0">
               <a:solidFill>
                 <a:srgbClr val="0D0D0D"/>
               </a:solidFill>
@@ -7479,6 +7529,38 @@
             </a:endParaRPr>
           </a:p>
           <a:p>
+            <a:pPr algn="l">
+              <a:lnSpc>
+                <a:spcPct val="150000"/>
+              </a:lnSpc>
+              <a:buFont typeface="Arial" panose="020B0604020202020204" pitchFamily="34" charset="0"/>
+              <a:buChar char="•"/>
+            </a:pPr>
+            <a:r>
+              <a:rPr lang="en-US" sz="1700" b="1" i="0" dirty="0">
+                <a:solidFill>
+                  <a:srgbClr val="0D0D0D"/>
+                </a:solidFill>
+                <a:effectLst/>
+                <a:highlight>
+                  <a:srgbClr val="FFFFFF"/>
+                </a:highlight>
+                <a:latin typeface="Söhne"/>
+              </a:rPr>
+              <a:t>Simulation Screenshots:</a:t>
+            </a:r>
+            <a:endParaRPr lang="en-US" sz="1700" b="0" i="0" dirty="0">
+              <a:solidFill>
+                <a:srgbClr val="0D0D0D"/>
+              </a:solidFill>
+              <a:effectLst/>
+              <a:highlight>
+                <a:srgbClr val="FFFFFF"/>
+              </a:highlight>
+              <a:latin typeface="Söhne"/>
+            </a:endParaRPr>
+          </a:p>
+          <a:p>
             <a:pPr marL="742950" lvl="1" indent="-285750" algn="l">
               <a:lnSpc>
                 <a:spcPct val="150000"/>
@@ -7487,7 +7569,7 @@
               <a:buChar char="•"/>
             </a:pPr>
             <a:r>
-              <a:rPr lang="en-US" sz="1500" b="0" i="0" dirty="0">
+              <a:rPr lang="en-US" sz="1700" b="0" i="0" dirty="0">
                 <a:solidFill>
                   <a:srgbClr val="0D0D0D"/>
                 </a:solidFill>
@@ -7582,7 +7664,7 @@
         <p:spPr/>
         <p:txBody>
           <a:bodyPr>
-            <a:normAutofit lnSpcReduction="10000"/>
+            <a:normAutofit fontScale="92500" lnSpcReduction="20000"/>
           </a:bodyPr>
           <a:lstStyle/>
           <a:p>
@@ -7592,7 +7674,7 @@
               </a:lnSpc>
             </a:pPr>
             <a:r>
-              <a:rPr lang="en-US" sz="1500" b="1" i="0" dirty="0">
+              <a:rPr lang="en-US" sz="2100" b="1" i="0" dirty="0">
                 <a:solidFill>
                   <a:srgbClr val="0D0D0D"/>
                 </a:solidFill>
@@ -7604,7 +7686,7 @@
               </a:rPr>
               <a:t>Key Findings:</a:t>
             </a:r>
-            <a:endParaRPr lang="en-US" sz="1500" b="0" i="0" dirty="0">
+            <a:endParaRPr lang="en-US" sz="2100" b="0" i="0" dirty="0">
               <a:solidFill>
                 <a:srgbClr val="0D0D0D"/>
               </a:solidFill>
@@ -7624,7 +7706,7 @@
               <a:buChar char="•"/>
             </a:pPr>
             <a:r>
-              <a:rPr lang="en-US" sz="1500" b="1" i="0" dirty="0">
+              <a:rPr lang="en-US" sz="1700" b="1" i="0" dirty="0">
                 <a:solidFill>
                   <a:srgbClr val="0D0D0D"/>
                 </a:solidFill>
@@ -7636,7 +7718,7 @@
               </a:rPr>
               <a:t>High Performance Metrics:</a:t>
             </a:r>
-            <a:endParaRPr lang="en-US" sz="1500" b="0" i="0" dirty="0">
+            <a:endParaRPr lang="en-US" sz="1700" b="0" i="0" dirty="0">
               <a:solidFill>
                 <a:srgbClr val="0D0D0D"/>
               </a:solidFill>
@@ -7656,7 +7738,7 @@
               <a:buChar char="•"/>
             </a:pPr>
             <a:r>
-              <a:rPr lang="en-US" sz="1500" b="0" i="0" dirty="0">
+              <a:rPr lang="en-US" sz="1700" b="0" i="0" dirty="0">
                 <a:solidFill>
                   <a:srgbClr val="0D0D0D"/>
                 </a:solidFill>
@@ -7678,7 +7760,7 @@
               <a:buChar char="•"/>
             </a:pPr>
             <a:r>
-              <a:rPr lang="en-US" sz="1500" b="1" i="0" dirty="0">
+              <a:rPr lang="en-US" sz="1700" b="1" i="0" dirty="0">
                 <a:solidFill>
                   <a:srgbClr val="0D0D0D"/>
                 </a:solidFill>
@@ -7690,7 +7772,7 @@
               </a:rPr>
               <a:t>Real-time Detection and Alerting:</a:t>
             </a:r>
-            <a:endParaRPr lang="en-US" sz="1500" b="0" i="0" dirty="0">
+            <a:endParaRPr lang="en-US" sz="1700" b="0" i="0" dirty="0">
               <a:solidFill>
                 <a:srgbClr val="0D0D0D"/>
               </a:solidFill>
@@ -7710,7 +7792,7 @@
               <a:buChar char="•"/>
             </a:pPr>
             <a:r>
-              <a:rPr lang="en-US" sz="1500" b="0" i="0" dirty="0">
+              <a:rPr lang="en-US" sz="1700" b="0" i="0" dirty="0">
                 <a:solidFill>
                   <a:srgbClr val="0D0D0D"/>
                 </a:solidFill>
@@ -7732,7 +7814,7 @@
               <a:buChar char="•"/>
             </a:pPr>
             <a:r>
-              <a:rPr lang="en-US" sz="1500" b="1" i="0" dirty="0">
+              <a:rPr lang="en-US" sz="1700" b="1" i="0" dirty="0">
                 <a:solidFill>
                   <a:srgbClr val="0D0D0D"/>
                 </a:solidFill>
@@ -7744,7 +7826,7 @@
               </a:rPr>
               <a:t>Robustness and Scalability:</a:t>
             </a:r>
-            <a:endParaRPr lang="en-US" sz="1500" b="0" i="0" dirty="0">
+            <a:endParaRPr lang="en-US" sz="1700" b="0" i="0" dirty="0">
               <a:solidFill>
                 <a:srgbClr val="0D0D0D"/>
               </a:solidFill>
@@ -7764,7 +7846,7 @@
               <a:buChar char="•"/>
             </a:pPr>
             <a:r>
-              <a:rPr lang="en-US" sz="1500" b="0" i="0" dirty="0">
+              <a:rPr lang="en-US" sz="1700" b="0" i="0" dirty="0">
                 <a:solidFill>
                   <a:srgbClr val="0D0D0D"/>
                 </a:solidFill>
@@ -9524,7 +9606,7 @@
         <p:spPr/>
         <p:txBody>
           <a:bodyPr>
-            <a:normAutofit/>
+            <a:normAutofit lnSpcReduction="10000"/>
           </a:bodyPr>
           <a:lstStyle/>
           <a:p>
@@ -9532,7 +9614,7 @@
               <a:buNone/>
             </a:pPr>
             <a:r>
-              <a:rPr lang="en-US" sz="1800" b="1" i="0" dirty="0">
+              <a:rPr lang="en-US" sz="1900" b="1" i="0" dirty="0">
                 <a:solidFill>
                   <a:srgbClr val="0D0D0D"/>
                 </a:solidFill>
@@ -9564,7 +9646,7 @@
               <a:buNone/>
             </a:pPr>
             <a:r>
-              <a:rPr lang="en-US" sz="1500" b="1" i="0" dirty="0">
+              <a:rPr lang="en-US" sz="1700" b="1" i="0" dirty="0">
                 <a:solidFill>
                   <a:srgbClr val="0D0D0D"/>
                 </a:solidFill>
@@ -9576,7 +9658,7 @@
               </a:rPr>
               <a:t>Increasing Road Accidents:</a:t>
             </a:r>
-            <a:endParaRPr lang="en-US" sz="1500" dirty="0">
+            <a:endParaRPr lang="en-US" sz="1700" dirty="0">
               <a:solidFill>
                 <a:srgbClr val="0D0D0D"/>
               </a:solidFill>
@@ -9591,7 +9673,7 @@
               <a:buNone/>
             </a:pPr>
             <a:r>
-              <a:rPr lang="en-US" sz="1500" b="0" i="0" dirty="0">
+              <a:rPr lang="en-US" sz="1700" b="0" i="0" dirty="0">
                 <a:solidFill>
                   <a:srgbClr val="0D0D0D"/>
                 </a:solidFill>
@@ -9609,7 +9691,7 @@
               <a:buNone/>
             </a:pPr>
             <a:r>
-              <a:rPr lang="en-US" sz="1500" b="1" i="0" dirty="0">
+              <a:rPr lang="en-US" sz="1700" b="1" i="0" dirty="0">
                 <a:solidFill>
                   <a:srgbClr val="0D0D0D"/>
                 </a:solidFill>
@@ -9621,7 +9703,7 @@
               </a:rPr>
               <a:t>Humanitarian Impact:</a:t>
             </a:r>
-            <a:endParaRPr lang="en-US" sz="1500" dirty="0">
+            <a:endParaRPr lang="en-US" sz="1700" dirty="0">
               <a:solidFill>
                 <a:srgbClr val="0D0D0D"/>
               </a:solidFill>
@@ -9636,7 +9718,7 @@
               <a:buNone/>
             </a:pPr>
             <a:r>
-              <a:rPr lang="en-US" sz="1500" b="0" i="0" dirty="0">
+              <a:rPr lang="en-US" sz="1700" b="0" i="0" dirty="0">
                 <a:solidFill>
                   <a:srgbClr val="0D0D0D"/>
                 </a:solidFill>
@@ -9654,7 +9736,7 @@
               <a:buNone/>
             </a:pPr>
             <a:r>
-              <a:rPr lang="en-US" sz="1500" b="1" i="0" dirty="0">
+              <a:rPr lang="en-US" sz="1700" b="1" i="0" dirty="0">
                 <a:solidFill>
                   <a:srgbClr val="0D0D0D"/>
                 </a:solidFill>
@@ -9666,7 +9748,7 @@
               </a:rPr>
               <a:t>Traffic Management and Safety:</a:t>
             </a:r>
-            <a:endParaRPr lang="en-US" sz="1500" dirty="0">
+            <a:endParaRPr lang="en-US" sz="1700" dirty="0">
               <a:solidFill>
                 <a:srgbClr val="0D0D0D"/>
               </a:solidFill>
@@ -9681,7 +9763,7 @@
               <a:buNone/>
             </a:pPr>
             <a:r>
-              <a:rPr lang="en-US" sz="1500" b="0" i="0" dirty="0">
+              <a:rPr lang="en-US" sz="1700" b="0" i="0" dirty="0">
                 <a:solidFill>
                   <a:srgbClr val="0D0D0D"/>
                 </a:solidFill>
@@ -10098,7 +10180,7 @@
               <a:buChar char="•"/>
             </a:pPr>
             <a:r>
-              <a:rPr lang="en-US" b="0" i="0" dirty="0">
+              <a:rPr lang="en-US" sz="1700" b="0" i="0" dirty="0">
                 <a:solidFill>
                   <a:srgbClr val="0D0D0D"/>
                 </a:solidFill>
@@ -10117,7 +10199,7 @@
               <a:buChar char="•"/>
             </a:pPr>
             <a:r>
-              <a:rPr lang="en-US" b="0" i="0" dirty="0">
+              <a:rPr lang="en-US" sz="1700" b="0" i="0" dirty="0">
                 <a:solidFill>
                   <a:srgbClr val="0D0D0D"/>
                 </a:solidFill>
@@ -10136,7 +10218,7 @@
               <a:buChar char="•"/>
             </a:pPr>
             <a:r>
-              <a:rPr lang="en-US" b="0" i="0" dirty="0">
+              <a:rPr lang="en-US" sz="1700" b="0" i="0" dirty="0">
                 <a:solidFill>
                   <a:srgbClr val="0D0D0D"/>
                 </a:solidFill>
@@ -10239,7 +10321,7 @@
               <a:buNone/>
             </a:pPr>
             <a:r>
-              <a:rPr lang="en-US" sz="1800" b="1" i="0" dirty="0">
+              <a:rPr lang="en-US" sz="1900" b="1" i="0" dirty="0">
                 <a:solidFill>
                   <a:srgbClr val="0D0D0D"/>
                 </a:solidFill>
@@ -10269,7 +10351,7 @@
           </a:p>
           <a:p>
             <a:r>
-              <a:rPr lang="en-US" sz="1800" b="1" i="0" dirty="0">
+              <a:rPr lang="en-US" sz="1900" b="1" i="0" dirty="0">
                 <a:solidFill>
                   <a:srgbClr val="0D0D0D"/>
                 </a:solidFill>
@@ -10287,56 +10369,30 @@
               <a:buNone/>
             </a:pPr>
             <a:r>
-              <a:rPr lang="en-US" sz="1900" b="1" i="0" dirty="0">
-                <a:solidFill>
-                  <a:srgbClr val="0D0D0D"/>
-                </a:solidFill>
-                <a:effectLst/>
-                <a:highlight>
-                  <a:srgbClr val="FFFFFF"/>
-                </a:highlight>
-                <a:latin typeface="Söhne"/>
-              </a:rPr>
-              <a:t>Sensor-Based Systems</a:t>
-            </a:r>
-            <a:r>
-              <a:rPr lang="en-US" b="1" i="0" dirty="0">
-                <a:solidFill>
-                  <a:srgbClr val="0D0D0D"/>
-                </a:solidFill>
-                <a:effectLst/>
-                <a:highlight>
-                  <a:srgbClr val="FFFFFF"/>
-                </a:highlight>
-                <a:latin typeface="Söhne"/>
-              </a:rPr>
-              <a:t>:</a:t>
-            </a:r>
-            <a:r>
-              <a:rPr lang="en-US" b="0" i="0" dirty="0">
-                <a:solidFill>
-                  <a:srgbClr val="0D0D0D"/>
-                </a:solidFill>
-                <a:effectLst/>
-                <a:highlight>
-                  <a:srgbClr val="FFFFFF"/>
-                </a:highlight>
-                <a:latin typeface="Söhne"/>
-              </a:rPr>
-              <a:t> </a:t>
-            </a:r>
-            <a:r>
-              <a:rPr lang="en-US" sz="1900" b="0" i="0" dirty="0">
-                <a:solidFill>
-                  <a:srgbClr val="0D0D0D"/>
-                </a:solidFill>
-                <a:effectLst/>
-                <a:highlight>
-                  <a:srgbClr val="FFFFFF"/>
-                </a:highlight>
-                <a:latin typeface="Söhne"/>
-              </a:rPr>
-              <a:t>Utilizing accelerometers, gyroscopes, and other sensors to detect sudden changes in motion or orientation indicative of an accident.</a:t>
+              <a:rPr lang="en-US" sz="1700" b="1" i="0" dirty="0">
+                <a:solidFill>
+                  <a:srgbClr val="0D0D0D"/>
+                </a:solidFill>
+                <a:effectLst/>
+                <a:highlight>
+                  <a:srgbClr val="FFFFFF"/>
+                </a:highlight>
+                <a:latin typeface="Söhne"/>
+              </a:rPr>
+              <a:t>Sensor-Based Systems:</a:t>
+            </a:r>
+            <a:r>
+              <a:rPr lang="en-US" sz="1700" b="0" i="0" dirty="0">
+                <a:solidFill>
+                  <a:srgbClr val="0D0D0D"/>
+                </a:solidFill>
+                <a:effectLst/>
+                <a:highlight>
+                  <a:srgbClr val="FFFFFF"/>
+                </a:highlight>
+                <a:latin typeface="Söhne"/>
+              </a:rPr>
+              <a:t> Utilizing accelerometers, gyroscopes, and other sensors to detect sudden changes in motion or orientation indicative of an accident.</a:t>
             </a:r>
           </a:p>
           <a:p>
@@ -10344,7 +10400,7 @@
               <a:buNone/>
             </a:pPr>
             <a:r>
-              <a:rPr lang="en-US" sz="1800" b="1" i="0" dirty="0">
+              <a:rPr lang="en-US" sz="1700" b="1" i="0" dirty="0">
                 <a:solidFill>
                   <a:srgbClr val="0D0D0D"/>
                 </a:solidFill>
@@ -10357,7 +10413,7 @@
               <a:t>Dashboard Cameras:</a:t>
             </a:r>
             <a:r>
-              <a:rPr lang="en-US" sz="1800" b="0" i="0" dirty="0">
+              <a:rPr lang="en-US" sz="1700" b="0" i="0" dirty="0">
                 <a:solidFill>
                   <a:srgbClr val="0D0D0D"/>
                 </a:solidFill>
@@ -10375,7 +10431,7 @@
               <a:buNone/>
             </a:pPr>
             <a:r>
-              <a:rPr lang="en-US" sz="1800" b="1" i="0" dirty="0">
+              <a:rPr lang="en-US" sz="1700" b="1" i="0" dirty="0">
                 <a:solidFill>
                   <a:srgbClr val="0D0D0D"/>
                 </a:solidFill>
@@ -10388,7 +10444,7 @@
               <a:t>GPS and Telematics:</a:t>
             </a:r>
             <a:r>
-              <a:rPr lang="en-US" sz="1800" b="0" i="0" dirty="0">
+              <a:rPr lang="en-US" sz="1700" b="0" i="0" dirty="0">
                 <a:solidFill>
                   <a:srgbClr val="0D0D0D"/>
                 </a:solidFill>
